--- a/slide_1223/20191223_urita.pptx
+++ b/slide_1223/20191223_urita.pptx
@@ -10,6 +10,7 @@
     <p:sldId id="259" r:id="rId4"/>
     <p:sldId id="258" r:id="rId5"/>
     <p:sldId id="260" r:id="rId6"/>
+    <p:sldId id="261" r:id="rId7"/>
   </p:sldIdLst>
   <p:sldSz cx="9144000" cy="6858000" type="screen4x3"/>
   <p:notesSz cx="6858000" cy="9144000"/>
@@ -2446,8 +2447,16 @@
           <a:lstStyle/>
           <a:p>
             <a:r>
+              <a:rPr lang="ja-JP" altLang="en-US" dirty="0"/>
+              <a:t>提案</a:t>
+            </a:r>
+            <a:r>
+              <a:rPr lang="ja-JP" altLang="en-US" dirty="0" smtClean="0"/>
+              <a:t>する</a:t>
+            </a:r>
+            <a:r>
               <a:rPr kumimoji="1" lang="ja-JP" altLang="en-US" dirty="0" smtClean="0"/>
-              <a:t>作成した問題</a:t>
+              <a:t>問題</a:t>
             </a:r>
             <a:endParaRPr kumimoji="1" lang="ja-JP" altLang="en-US" dirty="0"/>
           </a:p>
@@ -2484,8 +2493,8 @@
           </a:p>
         </p:txBody>
       </p:sp>
-      <mc:AlternateContent xmlns:mc="http://schemas.openxmlformats.org/markup-compatibility/2006">
-        <mc:Choice xmlns:a14="http://schemas.microsoft.com/office/drawing/2010/main" Requires="a14">
+      <mc:AlternateContent xmlns:mc="http://schemas.openxmlformats.org/markup-compatibility/2006" xmlns:a14="http://schemas.microsoft.com/office/drawing/2010/main">
+        <mc:Choice Requires="a14">
           <p:sp>
             <p:nvSpPr>
               <p:cNvPr id="2" name="テキスト ボックス 1"/>
@@ -2642,7 +2651,7 @@
             </p:txBody>
           </p:sp>
         </mc:Choice>
-        <mc:Fallback>
+        <mc:Fallback xmlns="">
           <p:sp>
             <p:nvSpPr>
               <p:cNvPr id="2" name="テキスト ボックス 1"/>
@@ -2681,8 +2690,8 @@
           </p:sp>
         </mc:Fallback>
       </mc:AlternateContent>
-      <mc:AlternateContent xmlns:mc="http://schemas.openxmlformats.org/markup-compatibility/2006">
-        <mc:Choice xmlns:a14="http://schemas.microsoft.com/office/drawing/2010/main" Requires="a14">
+      <mc:AlternateContent xmlns:mc="http://schemas.openxmlformats.org/markup-compatibility/2006" xmlns:a14="http://schemas.microsoft.com/office/drawing/2010/main">
+        <mc:Choice Requires="a14">
           <p:sp>
             <p:nvSpPr>
               <p:cNvPr id="10" name="テキスト ボックス 9"/>
@@ -2862,7 +2871,7 @@
             </p:txBody>
           </p:sp>
         </mc:Choice>
-        <mc:Fallback>
+        <mc:Fallback xmlns="">
           <p:sp>
             <p:nvSpPr>
               <p:cNvPr id="10" name="テキスト ボックス 9"/>
@@ -2996,7 +3005,6 @@
                 <a:rPr kumimoji="1" lang="ja-JP" altLang="en-US" sz="2400" dirty="0" smtClean="0"/>
                 <a:t>の重み</a:t>
               </a:r>
-              <a:endParaRPr kumimoji="1" lang="ja-JP" altLang="en-US" sz="2400" dirty="0" smtClean="0"/>
             </a:p>
           </p:txBody>
         </p:sp>
@@ -3076,7 +3084,6 @@
                 <a:rPr kumimoji="1" lang="ja-JP" altLang="en-US" sz="2400" dirty="0" smtClean="0"/>
                 <a:t>ナップサックの容量</a:t>
               </a:r>
-              <a:endParaRPr kumimoji="1" lang="ja-JP" altLang="en-US" sz="2400" dirty="0" smtClean="0"/>
             </a:p>
           </p:txBody>
         </p:sp>
@@ -3124,7 +3131,6 @@
                 <a:rPr kumimoji="1" lang="ja-JP" altLang="en-US" sz="2400" dirty="0" smtClean="0"/>
                 <a:t>縮小率</a:t>
               </a:r>
-              <a:endParaRPr kumimoji="1" lang="ja-JP" altLang="en-US" sz="2400" dirty="0" smtClean="0"/>
             </a:p>
           </p:txBody>
         </p:sp>
@@ -3316,10 +3322,42 @@
             </a:r>
             <a:r>
               <a:rPr lang="en-US" altLang="ja-JP" dirty="0" smtClean="0"/>
-              <a:t>[0.6, 0.8, 1.0, 1.2, 1.4]</a:t>
-            </a:r>
-          </a:p>
-          <a:p>
+              <a:t>[0.6, 0.8, 1.0, 1.2, 1.4</a:t>
+            </a:r>
+            <a:r>
+              <a:rPr lang="en-US" altLang="ja-JP" dirty="0" smtClean="0"/>
+              <a:t>]</a:t>
+            </a:r>
+            <a:br>
+              <a:rPr lang="en-US" altLang="ja-JP" dirty="0" smtClean="0"/>
+            </a:br>
+            <a:r>
+              <a:rPr lang="en-US" altLang="ja-JP" dirty="0" smtClean="0"/>
+              <a:t/>
+            </a:r>
+            <a:br>
+              <a:rPr lang="en-US" altLang="ja-JP" dirty="0" smtClean="0"/>
+            </a:br>
+            <a:r>
+              <a:rPr lang="ja-JP" altLang="en-US" dirty="0" smtClean="0"/>
+              <a:t>修復操作は，</a:t>
+            </a:r>
+            <a:r>
+              <a:rPr lang="en-US" altLang="ja-JP" dirty="0" smtClean="0"/>
+              <a:t>Greedy</a:t>
+            </a:r>
+            <a:r>
+              <a:rPr lang="ja-JP" altLang="en-US" dirty="0" smtClean="0"/>
+              <a:t> </a:t>
+            </a:r>
+            <a:r>
+              <a:rPr lang="en-US" altLang="ja-JP" dirty="0" smtClean="0"/>
+              <a:t>Repair</a:t>
+            </a:r>
+            <a:r>
+              <a:rPr lang="ja-JP" altLang="en-US" dirty="0" smtClean="0"/>
+              <a:t>を使用</a:t>
+            </a:r>
             <a:endParaRPr lang="en-US" altLang="ja-JP" dirty="0"/>
           </a:p>
         </p:txBody>
@@ -3380,7 +3418,6 @@
               <a:rPr kumimoji="1" lang="ja-JP" altLang="en-US" sz="3200" dirty="0" smtClean="0"/>
               <a:t>実験設定</a:t>
             </a:r>
-            <a:endParaRPr kumimoji="1" lang="ja-JP" altLang="en-US" sz="3200" dirty="0" smtClean="0"/>
           </a:p>
         </p:txBody>
       </p:sp>
@@ -3943,10 +3980,10 @@
           <a:lstStyle/>
           <a:p>
             <a:r>
-              <a:rPr kumimoji="1" lang="ja-JP" altLang="en-US" dirty="0" smtClean="0"/>
-              <a:t>最適解の対応関係</a:t>
-            </a:r>
-            <a:endParaRPr kumimoji="1" lang="ja-JP" altLang="en-US" dirty="0"/>
+              <a:rPr lang="ja-JP" altLang="en-US" sz="3000" dirty="0" smtClean="0"/>
+              <a:t>元タスクでの，異なるタスクのパレート最適解の評価</a:t>
+            </a:r>
+            <a:endParaRPr kumimoji="1" lang="ja-JP" altLang="en-US" sz="3000" dirty="0"/>
           </a:p>
         </p:txBody>
       </p:sp>
@@ -3971,6 +4008,370 @@
               <a:t>5</a:t>
             </a:fld>
             <a:endParaRPr kumimoji="1" lang="ja-JP" altLang="en-US" dirty="0"/>
+          </a:p>
+        </p:txBody>
+      </p:sp>
+      <p:pic>
+        <p:nvPicPr>
+          <p:cNvPr id="10" name="図 9"/>
+          <p:cNvPicPr>
+            <a:picLocks noChangeAspect="1"/>
+          </p:cNvPicPr>
+          <p:nvPr/>
+        </p:nvPicPr>
+        <p:blipFill>
+          <a:blip r:embed="rId2" cstate="print">
+            <a:clrChange>
+              <a:clrFrom>
+                <a:srgbClr val="FFFFFF"/>
+              </a:clrFrom>
+              <a:clrTo>
+                <a:srgbClr val="FFFFFF">
+                  <a:alpha val="0"/>
+                </a:srgbClr>
+              </a:clrTo>
+            </a:clrChange>
+            <a:extLst>
+              <a:ext uri="{28A0092B-C50C-407E-A947-70E740481C1C}">
+                <a14:useLocalDpi xmlns:a14="http://schemas.microsoft.com/office/drawing/2010/main" val="0"/>
+              </a:ext>
+            </a:extLst>
+          </a:blip>
+          <a:stretch>
+            <a:fillRect/>
+          </a:stretch>
+        </p:blipFill>
+        <p:spPr>
+          <a:xfrm>
+            <a:off x="739755" y="2023897"/>
+            <a:ext cx="7728228" cy="4359600"/>
+          </a:xfrm>
+          <a:prstGeom prst="rect">
+            <a:avLst/>
+          </a:prstGeom>
+        </p:spPr>
+      </p:pic>
+      <p:sp>
+        <p:nvSpPr>
+          <p:cNvPr id="11" name="テキスト ボックス 10"/>
+          <p:cNvSpPr txBox="1"/>
+          <p:nvPr/>
+        </p:nvSpPr>
+        <p:spPr>
+          <a:xfrm>
+            <a:off x="7277468" y="2182363"/>
+            <a:ext cx="429615" cy="461665"/>
+          </a:xfrm>
+          <a:prstGeom prst="rect">
+            <a:avLst/>
+          </a:prstGeom>
+          <a:noFill/>
+        </p:spPr>
+        <p:txBody>
+          <a:bodyPr wrap="square" rtlCol="0">
+            <a:spAutoFit/>
+          </a:bodyPr>
+          <a:lstStyle/>
+          <a:p>
+            <a:r>
+              <a:rPr lang="en-US" altLang="ja-JP" sz="2400" i="1" dirty="0" smtClean="0">
+                <a:latin typeface="Symbol" panose="05050102010706020507" pitchFamily="18" charset="2"/>
+                <a:cs typeface="Times New Roman" panose="02020603050405020304" pitchFamily="18" charset="0"/>
+              </a:rPr>
+              <a:t>a</a:t>
+            </a:r>
+            <a:r>
+              <a:rPr lang="en-US" altLang="ja-JP" sz="2400" i="1" dirty="0" smtClean="0">
+                <a:latin typeface="Times New Roman" panose="02020603050405020304" pitchFamily="18" charset="0"/>
+                <a:cs typeface="Times New Roman" panose="02020603050405020304" pitchFamily="18" charset="0"/>
+              </a:rPr>
+              <a:t> </a:t>
+            </a:r>
+            <a:endParaRPr kumimoji="1" lang="ja-JP" altLang="en-US" sz="2400" dirty="0" smtClean="0"/>
+          </a:p>
+        </p:txBody>
+      </p:sp>
+      <p:sp>
+        <p:nvSpPr>
+          <p:cNvPr id="12" name="テキスト ボックス 11"/>
+          <p:cNvSpPr txBox="1"/>
+          <p:nvPr/>
+        </p:nvSpPr>
+        <p:spPr>
+          <a:xfrm>
+            <a:off x="7277468" y="2491050"/>
+            <a:ext cx="429615" cy="461665"/>
+          </a:xfrm>
+          <a:prstGeom prst="rect">
+            <a:avLst/>
+          </a:prstGeom>
+          <a:noFill/>
+        </p:spPr>
+        <p:txBody>
+          <a:bodyPr wrap="square" rtlCol="0">
+            <a:spAutoFit/>
+          </a:bodyPr>
+          <a:lstStyle/>
+          <a:p>
+            <a:r>
+              <a:rPr lang="en-US" altLang="ja-JP" sz="2400" i="1" dirty="0" smtClean="0">
+                <a:latin typeface="Symbol" panose="05050102010706020507" pitchFamily="18" charset="2"/>
+                <a:cs typeface="Times New Roman" panose="02020603050405020304" pitchFamily="18" charset="0"/>
+              </a:rPr>
+              <a:t>a</a:t>
+            </a:r>
+            <a:r>
+              <a:rPr lang="en-US" altLang="ja-JP" sz="2400" i="1" dirty="0" smtClean="0">
+                <a:latin typeface="Times New Roman" panose="02020603050405020304" pitchFamily="18" charset="0"/>
+                <a:cs typeface="Times New Roman" panose="02020603050405020304" pitchFamily="18" charset="0"/>
+              </a:rPr>
+              <a:t> </a:t>
+            </a:r>
+            <a:endParaRPr kumimoji="1" lang="ja-JP" altLang="en-US" sz="2400" dirty="0" smtClean="0"/>
+          </a:p>
+        </p:txBody>
+      </p:sp>
+      <p:sp>
+        <p:nvSpPr>
+          <p:cNvPr id="13" name="テキスト ボックス 12"/>
+          <p:cNvSpPr txBox="1"/>
+          <p:nvPr/>
+        </p:nvSpPr>
+        <p:spPr>
+          <a:xfrm>
+            <a:off x="7277468" y="2799737"/>
+            <a:ext cx="429615" cy="461665"/>
+          </a:xfrm>
+          <a:prstGeom prst="rect">
+            <a:avLst/>
+          </a:prstGeom>
+          <a:noFill/>
+        </p:spPr>
+        <p:txBody>
+          <a:bodyPr wrap="square" rtlCol="0">
+            <a:spAutoFit/>
+          </a:bodyPr>
+          <a:lstStyle/>
+          <a:p>
+            <a:r>
+              <a:rPr lang="en-US" altLang="ja-JP" sz="2400" i="1" dirty="0" smtClean="0">
+                <a:latin typeface="Symbol" panose="05050102010706020507" pitchFamily="18" charset="2"/>
+                <a:cs typeface="Times New Roman" panose="02020603050405020304" pitchFamily="18" charset="0"/>
+              </a:rPr>
+              <a:t>a</a:t>
+            </a:r>
+            <a:r>
+              <a:rPr lang="en-US" altLang="ja-JP" sz="2400" i="1" dirty="0" smtClean="0">
+                <a:latin typeface="Times New Roman" panose="02020603050405020304" pitchFamily="18" charset="0"/>
+                <a:cs typeface="Times New Roman" panose="02020603050405020304" pitchFamily="18" charset="0"/>
+              </a:rPr>
+              <a:t> </a:t>
+            </a:r>
+            <a:endParaRPr kumimoji="1" lang="ja-JP" altLang="en-US" sz="2400" dirty="0" smtClean="0"/>
+          </a:p>
+        </p:txBody>
+      </p:sp>
+      <p:sp>
+        <p:nvSpPr>
+          <p:cNvPr id="14" name="テキスト ボックス 13"/>
+          <p:cNvSpPr txBox="1"/>
+          <p:nvPr/>
+        </p:nvSpPr>
+        <p:spPr>
+          <a:xfrm>
+            <a:off x="7277468" y="3108424"/>
+            <a:ext cx="429615" cy="461665"/>
+          </a:xfrm>
+          <a:prstGeom prst="rect">
+            <a:avLst/>
+          </a:prstGeom>
+          <a:noFill/>
+        </p:spPr>
+        <p:txBody>
+          <a:bodyPr wrap="square" rtlCol="0">
+            <a:spAutoFit/>
+          </a:bodyPr>
+          <a:lstStyle/>
+          <a:p>
+            <a:r>
+              <a:rPr lang="en-US" altLang="ja-JP" sz="2400" i="1" dirty="0" smtClean="0">
+                <a:latin typeface="Symbol" panose="05050102010706020507" pitchFamily="18" charset="2"/>
+                <a:cs typeface="Times New Roman" panose="02020603050405020304" pitchFamily="18" charset="0"/>
+              </a:rPr>
+              <a:t>a</a:t>
+            </a:r>
+            <a:r>
+              <a:rPr lang="en-US" altLang="ja-JP" sz="2400" i="1" dirty="0" smtClean="0">
+                <a:latin typeface="Times New Roman" panose="02020603050405020304" pitchFamily="18" charset="0"/>
+                <a:cs typeface="Times New Roman" panose="02020603050405020304" pitchFamily="18" charset="0"/>
+              </a:rPr>
+              <a:t> </a:t>
+            </a:r>
+            <a:endParaRPr kumimoji="1" lang="ja-JP" altLang="en-US" sz="2400" dirty="0" smtClean="0"/>
+          </a:p>
+        </p:txBody>
+      </p:sp>
+      <p:sp>
+        <p:nvSpPr>
+          <p:cNvPr id="15" name="テキスト ボックス 14"/>
+          <p:cNvSpPr txBox="1"/>
+          <p:nvPr/>
+        </p:nvSpPr>
+        <p:spPr>
+          <a:xfrm>
+            <a:off x="7277468" y="3417110"/>
+            <a:ext cx="429615" cy="461665"/>
+          </a:xfrm>
+          <a:prstGeom prst="rect">
+            <a:avLst/>
+          </a:prstGeom>
+          <a:noFill/>
+        </p:spPr>
+        <p:txBody>
+          <a:bodyPr wrap="square" rtlCol="0">
+            <a:spAutoFit/>
+          </a:bodyPr>
+          <a:lstStyle/>
+          <a:p>
+            <a:r>
+              <a:rPr lang="en-US" altLang="ja-JP" sz="2400" i="1" dirty="0" smtClean="0">
+                <a:latin typeface="Symbol" panose="05050102010706020507" pitchFamily="18" charset="2"/>
+                <a:cs typeface="Times New Roman" panose="02020603050405020304" pitchFamily="18" charset="0"/>
+              </a:rPr>
+              <a:t>a</a:t>
+            </a:r>
+            <a:r>
+              <a:rPr lang="en-US" altLang="ja-JP" sz="2400" i="1" dirty="0" smtClean="0">
+                <a:latin typeface="Times New Roman" panose="02020603050405020304" pitchFamily="18" charset="0"/>
+                <a:cs typeface="Times New Roman" panose="02020603050405020304" pitchFamily="18" charset="0"/>
+              </a:rPr>
+              <a:t> </a:t>
+            </a:r>
+            <a:endParaRPr kumimoji="1" lang="ja-JP" altLang="en-US" sz="2400" dirty="0" smtClean="0"/>
+          </a:p>
+        </p:txBody>
+      </p:sp>
+      <p:sp>
+        <p:nvSpPr>
+          <p:cNvPr id="16" name="テキスト ボックス 15"/>
+          <p:cNvSpPr txBox="1"/>
+          <p:nvPr/>
+        </p:nvSpPr>
+        <p:spPr>
+          <a:xfrm>
+            <a:off x="3283968" y="6237469"/>
+            <a:ext cx="1474644" cy="461665"/>
+          </a:xfrm>
+          <a:prstGeom prst="rect">
+            <a:avLst/>
+          </a:prstGeom>
+          <a:noFill/>
+        </p:spPr>
+        <p:txBody>
+          <a:bodyPr wrap="square" rtlCol="0">
+            <a:spAutoFit/>
+          </a:bodyPr>
+          <a:lstStyle/>
+          <a:p>
+            <a:pPr algn="ctr"/>
+            <a:r>
+              <a:rPr kumimoji="1" lang="en-US" altLang="ja-JP" sz="2400" i="1" dirty="0" smtClean="0">
+                <a:latin typeface="Times New Roman" panose="02020603050405020304" pitchFamily="18" charset="0"/>
+                <a:cs typeface="Times New Roman" panose="02020603050405020304" pitchFamily="18" charset="0"/>
+              </a:rPr>
+              <a:t>f</a:t>
+            </a:r>
+            <a:r>
+              <a:rPr lang="en-US" altLang="ja-JP" sz="2400" baseline="-25000" dirty="0" smtClean="0">
+                <a:latin typeface="Times New Roman" panose="02020603050405020304" pitchFamily="18" charset="0"/>
+                <a:cs typeface="Times New Roman" panose="02020603050405020304" pitchFamily="18" charset="0"/>
+              </a:rPr>
+              <a:t>1</a:t>
+            </a:r>
+            <a:r>
+              <a:rPr kumimoji="1" lang="en-US" altLang="ja-JP" sz="2400" dirty="0" smtClean="0">
+                <a:latin typeface="Times New Roman" panose="02020603050405020304" pitchFamily="18" charset="0"/>
+                <a:cs typeface="Times New Roman" panose="02020603050405020304" pitchFamily="18" charset="0"/>
+              </a:rPr>
+              <a:t>(</a:t>
+            </a:r>
+            <a:r>
+              <a:rPr kumimoji="1" lang="en-US" altLang="ja-JP" sz="2400" i="1" dirty="0" smtClean="0">
+                <a:latin typeface="Times New Roman" panose="02020603050405020304" pitchFamily="18" charset="0"/>
+                <a:cs typeface="Times New Roman" panose="02020603050405020304" pitchFamily="18" charset="0"/>
+              </a:rPr>
+              <a:t>x</a:t>
+            </a:r>
+            <a:r>
+              <a:rPr kumimoji="1" lang="en-US" altLang="ja-JP" sz="2400" dirty="0" smtClean="0">
+                <a:latin typeface="Times New Roman" panose="02020603050405020304" pitchFamily="18" charset="0"/>
+                <a:cs typeface="Times New Roman" panose="02020603050405020304" pitchFamily="18" charset="0"/>
+              </a:rPr>
+              <a:t>)</a:t>
+            </a:r>
+            <a:endParaRPr kumimoji="1" lang="ja-JP" altLang="en-US" sz="2400" dirty="0" smtClean="0"/>
+          </a:p>
+        </p:txBody>
+      </p:sp>
+      <p:sp>
+        <p:nvSpPr>
+          <p:cNvPr id="17" name="テキスト ボックス 16"/>
+          <p:cNvSpPr txBox="1"/>
+          <p:nvPr/>
+        </p:nvSpPr>
+        <p:spPr>
+          <a:xfrm rot="16200000">
+            <a:off x="-169035" y="3683914"/>
+            <a:ext cx="1474644" cy="461665"/>
+          </a:xfrm>
+          <a:prstGeom prst="rect">
+            <a:avLst/>
+          </a:prstGeom>
+          <a:noFill/>
+        </p:spPr>
+        <p:txBody>
+          <a:bodyPr wrap="square" rtlCol="0">
+            <a:spAutoFit/>
+          </a:bodyPr>
+          <a:lstStyle/>
+          <a:p>
+            <a:pPr algn="ctr"/>
+            <a:r>
+              <a:rPr kumimoji="1" lang="en-US" altLang="ja-JP" sz="2400" i="1" dirty="0" smtClean="0">
+                <a:latin typeface="Times New Roman" panose="02020603050405020304" pitchFamily="18" charset="0"/>
+                <a:cs typeface="Times New Roman" panose="02020603050405020304" pitchFamily="18" charset="0"/>
+              </a:rPr>
+              <a:t>f</a:t>
+            </a:r>
+            <a:r>
+              <a:rPr lang="en-US" altLang="ja-JP" sz="2400" baseline="-25000" dirty="0">
+                <a:latin typeface="Times New Roman" panose="02020603050405020304" pitchFamily="18" charset="0"/>
+                <a:cs typeface="Times New Roman" panose="02020603050405020304" pitchFamily="18" charset="0"/>
+              </a:rPr>
+              <a:t>2</a:t>
+            </a:r>
+            <a:r>
+              <a:rPr kumimoji="1" lang="en-US" altLang="ja-JP" sz="2400" dirty="0" smtClean="0">
+                <a:latin typeface="Times New Roman" panose="02020603050405020304" pitchFamily="18" charset="0"/>
+                <a:cs typeface="Times New Roman" panose="02020603050405020304" pitchFamily="18" charset="0"/>
+              </a:rPr>
+              <a:t>(</a:t>
+            </a:r>
+            <a:r>
+              <a:rPr kumimoji="1" lang="en-US" altLang="ja-JP" sz="2400" i="1" dirty="0" smtClean="0">
+                <a:latin typeface="Times New Roman" panose="02020603050405020304" pitchFamily="18" charset="0"/>
+                <a:cs typeface="Times New Roman" panose="02020603050405020304" pitchFamily="18" charset="0"/>
+              </a:rPr>
+              <a:t>x</a:t>
+            </a:r>
+            <a:r>
+              <a:rPr kumimoji="1" lang="en-US" altLang="ja-JP" sz="2400" dirty="0" smtClean="0">
+                <a:latin typeface="Times New Roman" panose="02020603050405020304" pitchFamily="18" charset="0"/>
+                <a:cs typeface="Times New Roman" panose="02020603050405020304" pitchFamily="18" charset="0"/>
+              </a:rPr>
+              <a:t>)</a:t>
+            </a:r>
+            <a:endParaRPr kumimoji="1" lang="ja-JP" altLang="en-US" sz="2400" dirty="0" smtClean="0"/>
           </a:p>
         </p:txBody>
       </p:sp>
@@ -3984,6 +4385,82 @@
   <p:clrMapOvr>
     <a:masterClrMapping/>
   </p:clrMapOvr>
+  <p:timing>
+    <p:tnLst>
+      <p:par>
+        <p:cTn id="1" dur="indefinite" restart="never" nodeType="tmRoot"/>
+      </p:par>
+    </p:tnLst>
+  </p:timing>
+</p:sld>
+</file>
+
+<file path=ppt/slides/slide6.xml><?xml version="1.0" encoding="utf-8"?>
+<p:sld xmlns:a="http://schemas.openxmlformats.org/drawingml/2006/main" xmlns:r="http://schemas.openxmlformats.org/officeDocument/2006/relationships" xmlns:p="http://schemas.openxmlformats.org/presentationml/2006/main">
+  <p:cSld>
+    <p:spTree>
+      <p:nvGrpSpPr>
+        <p:cNvPr id="1" name=""/>
+        <p:cNvGrpSpPr/>
+        <p:nvPr/>
+      </p:nvGrpSpPr>
+      <p:grpSpPr>
+        <a:xfrm>
+          <a:off x="0" y="0"/>
+          <a:ext cx="0" cy="0"/>
+          <a:chOff x="0" y="0"/>
+          <a:chExt cx="0" cy="0"/>
+        </a:xfrm>
+      </p:grpSpPr>
+      <p:sp>
+        <p:nvSpPr>
+          <p:cNvPr id="4" name="スライド番号プレースホルダー 3"/>
+          <p:cNvSpPr>
+            <a:spLocks noGrp="1"/>
+          </p:cNvSpPr>
+          <p:nvPr>
+            <p:ph type="sldNum" sz="quarter" idx="4294967295"/>
+          </p:nvPr>
+        </p:nvSpPr>
+        <p:spPr>
+          <a:xfrm>
+            <a:off x="7010400" y="333375"/>
+            <a:ext cx="2133600" cy="476250"/>
+          </a:xfrm>
+          <a:prstGeom prst="rect">
+            <a:avLst/>
+          </a:prstGeom>
+        </p:spPr>
+        <p:txBody>
+          <a:bodyPr/>
+          <a:lstStyle/>
+          <a:p>
+            <a:fld id="{B5C67937-D10B-4F1B-BCB2-26B69D4AE1E2}" type="slidenum">
+              <a:rPr kumimoji="1" lang="ja-JP" altLang="en-US" smtClean="0"/>
+              <a:pPr/>
+              <a:t>6</a:t>
+            </a:fld>
+            <a:endParaRPr kumimoji="1" lang="ja-JP" altLang="en-US" dirty="0"/>
+          </a:p>
+        </p:txBody>
+      </p:sp>
+    </p:spTree>
+    <p:extLst>
+      <p:ext uri="{BB962C8B-B14F-4D97-AF65-F5344CB8AC3E}">
+        <p14:creationId xmlns:p14="http://schemas.microsoft.com/office/powerpoint/2010/main" val="2283606519"/>
+      </p:ext>
+    </p:extLst>
+  </p:cSld>
+  <p:clrMapOvr>
+    <a:masterClrMapping/>
+  </p:clrMapOvr>
+  <p:timing>
+    <p:tnLst>
+      <p:par>
+        <p:cTn id="1" dur="indefinite" restart="never" nodeType="tmRoot"/>
+      </p:par>
+    </p:tnLst>
+  </p:timing>
 </p:sld>
 </file>
 

--- a/slide_1223/20191223_urita.pptx
+++ b/slide_1223/20191223_urita.pptx
@@ -6,11 +6,12 @@
   </p:sldMasterIdLst>
   <p:sldIdLst>
     <p:sldId id="256" r:id="rId2"/>
-    <p:sldId id="257" r:id="rId3"/>
-    <p:sldId id="259" r:id="rId4"/>
-    <p:sldId id="258" r:id="rId5"/>
-    <p:sldId id="260" r:id="rId6"/>
-    <p:sldId id="261" r:id="rId7"/>
+    <p:sldId id="262" r:id="rId3"/>
+    <p:sldId id="257" r:id="rId4"/>
+    <p:sldId id="259" r:id="rId5"/>
+    <p:sldId id="258" r:id="rId6"/>
+    <p:sldId id="260" r:id="rId7"/>
+    <p:sldId id="261" r:id="rId8"/>
   </p:sldIdLst>
   <p:sldSz cx="9144000" cy="6858000" type="screen4x3"/>
   <p:notesSz cx="6858000" cy="9144000"/>
@@ -2433,6 +2434,926 @@
       </p:grpSpPr>
       <p:sp>
         <p:nvSpPr>
+          <p:cNvPr id="6146" name="タイトル 1"/>
+          <p:cNvSpPr>
+            <a:spLocks noGrp="1" noChangeArrowheads="1"/>
+          </p:cNvSpPr>
+          <p:nvPr>
+            <p:ph type="title"/>
+          </p:nvPr>
+        </p:nvSpPr>
+        <p:spPr/>
+        <p:txBody>
+          <a:bodyPr/>
+          <a:lstStyle/>
+          <a:p>
+            <a:r>
+              <a:rPr lang="ja-JP" altLang="en-US" dirty="0"/>
+              <a:t>提案する問題</a:t>
+            </a:r>
+            <a:endParaRPr lang="ja-JP" altLang="en-US" dirty="0" smtClean="0"/>
+          </a:p>
+        </p:txBody>
+      </p:sp>
+      <p:sp>
+        <p:nvSpPr>
+          <p:cNvPr id="2" name="コンテンツ プレースホルダー 1"/>
+          <p:cNvSpPr>
+            <a:spLocks noGrp="1"/>
+          </p:cNvSpPr>
+          <p:nvPr>
+            <p:ph idx="1"/>
+          </p:nvPr>
+        </p:nvSpPr>
+        <p:spPr/>
+        <p:txBody>
+          <a:bodyPr/>
+          <a:lstStyle/>
+          <a:p>
+            <a:r>
+              <a:rPr lang="ja-JP" altLang="en-US" dirty="0"/>
+              <a:t>下記のパラメータを</a:t>
+            </a:r>
+            <a:r>
+              <a:rPr lang="ja-JP" altLang="en-US" dirty="0" smtClean="0"/>
+              <a:t>用いてナップサック</a:t>
+            </a:r>
+            <a:r>
+              <a:rPr lang="ja-JP" altLang="en-US" dirty="0"/>
+              <a:t>問題</a:t>
+            </a:r>
+            <a:r>
+              <a:rPr lang="ja-JP" altLang="en-US" dirty="0" smtClean="0"/>
+              <a:t>を作成</a:t>
+            </a:r>
+            <a:endParaRPr lang="en-US" altLang="ja-JP" dirty="0"/>
+          </a:p>
+          <a:p>
+            <a:endParaRPr kumimoji="1" lang="ja-JP" altLang="en-US" dirty="0"/>
+          </a:p>
+        </p:txBody>
+      </p:sp>
+      <p:sp>
+        <p:nvSpPr>
+          <p:cNvPr id="6147" name="スライド番号プレースホルダー 3"/>
+          <p:cNvSpPr>
+            <a:spLocks noGrp="1"/>
+          </p:cNvSpPr>
+          <p:nvPr>
+            <p:ph type="sldNum" sz="quarter" idx="12"/>
+          </p:nvPr>
+        </p:nvSpPr>
+        <p:spPr>
+          <a:noFill/>
+          <a:ln/>
+          <a:extLst>
+            <a:ext uri="{909E8E84-426E-40DD-AFC4-6F175D3DCCD1}">
+              <a14:hiddenFill xmlns:a14="http://schemas.microsoft.com/office/drawing/2010/main">
+                <a:solidFill>
+                  <a:srgbClr val="FFFFFF"/>
+                </a:solidFill>
+              </a14:hiddenFill>
+            </a:ext>
+            <a:ext uri="{91240B29-F687-4F45-9708-019B960494DF}">
+              <a14:hiddenLine xmlns:a14="http://schemas.microsoft.com/office/drawing/2010/main" w="9525">
+                <a:solidFill>
+                  <a:srgbClr val="000000"/>
+                </a:solidFill>
+                <a:miter lim="800000"/>
+                <a:headEnd/>
+                <a:tailEnd/>
+              </a14:hiddenLine>
+            </a:ext>
+          </a:extLst>
+        </p:spPr>
+        <p:txBody>
+          <a:bodyPr/>
+          <a:lstStyle>
+            <a:lvl1pPr>
+              <a:defRPr kumimoji="1">
+                <a:solidFill>
+                  <a:schemeClr val="tx1"/>
+                </a:solidFill>
+                <a:latin typeface="Arial" panose="020B0604020202020204" pitchFamily="34" charset="0"/>
+                <a:ea typeface="ＭＳ Ｐゴシック" panose="020B0600070205080204" pitchFamily="50" charset="-128"/>
+              </a:defRPr>
+            </a:lvl1pPr>
+            <a:lvl2pPr marL="742950" indent="-285750">
+              <a:defRPr kumimoji="1">
+                <a:solidFill>
+                  <a:schemeClr val="tx1"/>
+                </a:solidFill>
+                <a:latin typeface="Arial" panose="020B0604020202020204" pitchFamily="34" charset="0"/>
+                <a:ea typeface="ＭＳ Ｐゴシック" panose="020B0600070205080204" pitchFamily="50" charset="-128"/>
+              </a:defRPr>
+            </a:lvl2pPr>
+            <a:lvl3pPr marL="1143000" indent="-228600">
+              <a:defRPr kumimoji="1">
+                <a:solidFill>
+                  <a:schemeClr val="tx1"/>
+                </a:solidFill>
+                <a:latin typeface="Arial" panose="020B0604020202020204" pitchFamily="34" charset="0"/>
+                <a:ea typeface="ＭＳ Ｐゴシック" panose="020B0600070205080204" pitchFamily="50" charset="-128"/>
+              </a:defRPr>
+            </a:lvl3pPr>
+            <a:lvl4pPr marL="1600200" indent="-228600">
+              <a:defRPr kumimoji="1">
+                <a:solidFill>
+                  <a:schemeClr val="tx1"/>
+                </a:solidFill>
+                <a:latin typeface="Arial" panose="020B0604020202020204" pitchFamily="34" charset="0"/>
+                <a:ea typeface="ＭＳ Ｐゴシック" panose="020B0600070205080204" pitchFamily="50" charset="-128"/>
+              </a:defRPr>
+            </a:lvl4pPr>
+            <a:lvl5pPr marL="2057400" indent="-228600">
+              <a:defRPr kumimoji="1">
+                <a:solidFill>
+                  <a:schemeClr val="tx1"/>
+                </a:solidFill>
+                <a:latin typeface="Arial" panose="020B0604020202020204" pitchFamily="34" charset="0"/>
+                <a:ea typeface="ＭＳ Ｐゴシック" panose="020B0600070205080204" pitchFamily="50" charset="-128"/>
+              </a:defRPr>
+            </a:lvl5pPr>
+            <a:lvl6pPr marL="2514600" indent="-228600" eaLnBrk="0" fontAlgn="base" hangingPunct="0">
+              <a:spcBef>
+                <a:spcPct val="0"/>
+              </a:spcBef>
+              <a:spcAft>
+                <a:spcPct val="0"/>
+              </a:spcAft>
+              <a:defRPr kumimoji="1">
+                <a:solidFill>
+                  <a:schemeClr val="tx1"/>
+                </a:solidFill>
+                <a:latin typeface="Arial" panose="020B0604020202020204" pitchFamily="34" charset="0"/>
+                <a:ea typeface="ＭＳ Ｐゴシック" panose="020B0600070205080204" pitchFamily="50" charset="-128"/>
+              </a:defRPr>
+            </a:lvl6pPr>
+            <a:lvl7pPr marL="2971800" indent="-228600" eaLnBrk="0" fontAlgn="base" hangingPunct="0">
+              <a:spcBef>
+                <a:spcPct val="0"/>
+              </a:spcBef>
+              <a:spcAft>
+                <a:spcPct val="0"/>
+              </a:spcAft>
+              <a:defRPr kumimoji="1">
+                <a:solidFill>
+                  <a:schemeClr val="tx1"/>
+                </a:solidFill>
+                <a:latin typeface="Arial" panose="020B0604020202020204" pitchFamily="34" charset="0"/>
+                <a:ea typeface="ＭＳ Ｐゴシック" panose="020B0600070205080204" pitchFamily="50" charset="-128"/>
+              </a:defRPr>
+            </a:lvl7pPr>
+            <a:lvl8pPr marL="3429000" indent="-228600" eaLnBrk="0" fontAlgn="base" hangingPunct="0">
+              <a:spcBef>
+                <a:spcPct val="0"/>
+              </a:spcBef>
+              <a:spcAft>
+                <a:spcPct val="0"/>
+              </a:spcAft>
+              <a:defRPr kumimoji="1">
+                <a:solidFill>
+                  <a:schemeClr val="tx1"/>
+                </a:solidFill>
+                <a:latin typeface="Arial" panose="020B0604020202020204" pitchFamily="34" charset="0"/>
+                <a:ea typeface="ＭＳ Ｐゴシック" panose="020B0600070205080204" pitchFamily="50" charset="-128"/>
+              </a:defRPr>
+            </a:lvl8pPr>
+            <a:lvl9pPr marL="3886200" indent="-228600" eaLnBrk="0" fontAlgn="base" hangingPunct="0">
+              <a:spcBef>
+                <a:spcPct val="0"/>
+              </a:spcBef>
+              <a:spcAft>
+                <a:spcPct val="0"/>
+              </a:spcAft>
+              <a:defRPr kumimoji="1">
+                <a:solidFill>
+                  <a:schemeClr val="tx1"/>
+                </a:solidFill>
+                <a:latin typeface="Arial" panose="020B0604020202020204" pitchFamily="34" charset="0"/>
+                <a:ea typeface="ＭＳ Ｐゴシック" panose="020B0600070205080204" pitchFamily="50" charset="-128"/>
+              </a:defRPr>
+            </a:lvl9pPr>
+          </a:lstStyle>
+          <a:p>
+            <a:fld id="{B3E09C8F-164A-4527-82A3-08940CF398CC}" type="slidenum">
+              <a:rPr kumimoji="0" lang="en-US" altLang="ja-JP" smtClean="0">
+                <a:solidFill>
+                  <a:srgbClr val="FFFF00"/>
+                </a:solidFill>
+              </a:rPr>
+              <a:pPr/>
+              <a:t>2</a:t>
+            </a:fld>
+            <a:endParaRPr kumimoji="0" lang="en-US" altLang="ja-JP" smtClean="0">
+              <a:solidFill>
+                <a:srgbClr val="FFFF00"/>
+              </a:solidFill>
+            </a:endParaRPr>
+          </a:p>
+        </p:txBody>
+      </p:sp>
+      <p:sp>
+        <p:nvSpPr>
+          <p:cNvPr id="6148" name="テキスト ボックス 3"/>
+          <p:cNvSpPr txBox="1">
+            <a:spLocks noChangeArrowheads="1"/>
+          </p:cNvSpPr>
+          <p:nvPr/>
+        </p:nvSpPr>
+        <p:spPr bwMode="auto">
+          <a:xfrm>
+            <a:off x="342900" y="5689600"/>
+            <a:ext cx="8458200" cy="1016000"/>
+          </a:xfrm>
+          <a:prstGeom prst="rect">
+            <a:avLst/>
+          </a:prstGeom>
+          <a:noFill/>
+          <a:ln w="9525">
+            <a:solidFill>
+              <a:schemeClr val="tx1"/>
+            </a:solidFill>
+            <a:miter lim="800000"/>
+            <a:headEnd/>
+            <a:tailEnd/>
+          </a:ln>
+          <a:extLst>
+            <a:ext uri="{909E8E84-426E-40DD-AFC4-6F175D3DCCD1}">
+              <a14:hiddenFill xmlns:a14="http://schemas.microsoft.com/office/drawing/2010/main">
+                <a:solidFill>
+                  <a:srgbClr val="FFFFFF"/>
+                </a:solidFill>
+              </a14:hiddenFill>
+            </a:ext>
+          </a:extLst>
+        </p:spPr>
+        <p:txBody>
+          <a:bodyPr>
+            <a:spAutoFit/>
+          </a:bodyPr>
+          <a:lstStyle>
+            <a:lvl1pPr>
+              <a:defRPr kumimoji="1">
+                <a:solidFill>
+                  <a:schemeClr val="tx1"/>
+                </a:solidFill>
+                <a:latin typeface="Arial" panose="020B0604020202020204" pitchFamily="34" charset="0"/>
+                <a:ea typeface="ＭＳ Ｐゴシック" panose="020B0600070205080204" pitchFamily="50" charset="-128"/>
+              </a:defRPr>
+            </a:lvl1pPr>
+            <a:lvl2pPr marL="742950" indent="-285750">
+              <a:defRPr kumimoji="1">
+                <a:solidFill>
+                  <a:schemeClr val="tx1"/>
+                </a:solidFill>
+                <a:latin typeface="Arial" panose="020B0604020202020204" pitchFamily="34" charset="0"/>
+                <a:ea typeface="ＭＳ Ｐゴシック" panose="020B0600070205080204" pitchFamily="50" charset="-128"/>
+              </a:defRPr>
+            </a:lvl2pPr>
+            <a:lvl3pPr marL="1143000" indent="-228600">
+              <a:defRPr kumimoji="1">
+                <a:solidFill>
+                  <a:schemeClr val="tx1"/>
+                </a:solidFill>
+                <a:latin typeface="Arial" panose="020B0604020202020204" pitchFamily="34" charset="0"/>
+                <a:ea typeface="ＭＳ Ｐゴシック" panose="020B0600070205080204" pitchFamily="50" charset="-128"/>
+              </a:defRPr>
+            </a:lvl3pPr>
+            <a:lvl4pPr marL="1600200" indent="-228600">
+              <a:defRPr kumimoji="1">
+                <a:solidFill>
+                  <a:schemeClr val="tx1"/>
+                </a:solidFill>
+                <a:latin typeface="Arial" panose="020B0604020202020204" pitchFamily="34" charset="0"/>
+                <a:ea typeface="ＭＳ Ｐゴシック" panose="020B0600070205080204" pitchFamily="50" charset="-128"/>
+              </a:defRPr>
+            </a:lvl4pPr>
+            <a:lvl5pPr marL="2057400" indent="-228600">
+              <a:defRPr kumimoji="1">
+                <a:solidFill>
+                  <a:schemeClr val="tx1"/>
+                </a:solidFill>
+                <a:latin typeface="Arial" panose="020B0604020202020204" pitchFamily="34" charset="0"/>
+                <a:ea typeface="ＭＳ Ｐゴシック" panose="020B0600070205080204" pitchFamily="50" charset="-128"/>
+              </a:defRPr>
+            </a:lvl5pPr>
+            <a:lvl6pPr marL="2514600" indent="-228600" eaLnBrk="0" fontAlgn="base" hangingPunct="0">
+              <a:spcBef>
+                <a:spcPct val="0"/>
+              </a:spcBef>
+              <a:spcAft>
+                <a:spcPct val="0"/>
+              </a:spcAft>
+              <a:defRPr kumimoji="1">
+                <a:solidFill>
+                  <a:schemeClr val="tx1"/>
+                </a:solidFill>
+                <a:latin typeface="Arial" panose="020B0604020202020204" pitchFamily="34" charset="0"/>
+                <a:ea typeface="ＭＳ Ｐゴシック" panose="020B0600070205080204" pitchFamily="50" charset="-128"/>
+              </a:defRPr>
+            </a:lvl6pPr>
+            <a:lvl7pPr marL="2971800" indent="-228600" eaLnBrk="0" fontAlgn="base" hangingPunct="0">
+              <a:spcBef>
+                <a:spcPct val="0"/>
+              </a:spcBef>
+              <a:spcAft>
+                <a:spcPct val="0"/>
+              </a:spcAft>
+              <a:defRPr kumimoji="1">
+                <a:solidFill>
+                  <a:schemeClr val="tx1"/>
+                </a:solidFill>
+                <a:latin typeface="Arial" panose="020B0604020202020204" pitchFamily="34" charset="0"/>
+                <a:ea typeface="ＭＳ Ｐゴシック" panose="020B0600070205080204" pitchFamily="50" charset="-128"/>
+              </a:defRPr>
+            </a:lvl7pPr>
+            <a:lvl8pPr marL="3429000" indent="-228600" eaLnBrk="0" fontAlgn="base" hangingPunct="0">
+              <a:spcBef>
+                <a:spcPct val="0"/>
+              </a:spcBef>
+              <a:spcAft>
+                <a:spcPct val="0"/>
+              </a:spcAft>
+              <a:defRPr kumimoji="1">
+                <a:solidFill>
+                  <a:schemeClr val="tx1"/>
+                </a:solidFill>
+                <a:latin typeface="Arial" panose="020B0604020202020204" pitchFamily="34" charset="0"/>
+                <a:ea typeface="ＭＳ Ｐゴシック" panose="020B0600070205080204" pitchFamily="50" charset="-128"/>
+              </a:defRPr>
+            </a:lvl8pPr>
+            <a:lvl9pPr marL="3886200" indent="-228600" eaLnBrk="0" fontAlgn="base" hangingPunct="0">
+              <a:spcBef>
+                <a:spcPct val="0"/>
+              </a:spcBef>
+              <a:spcAft>
+                <a:spcPct val="0"/>
+              </a:spcAft>
+              <a:defRPr kumimoji="1">
+                <a:solidFill>
+                  <a:schemeClr val="tx1"/>
+                </a:solidFill>
+                <a:latin typeface="Arial" panose="020B0604020202020204" pitchFamily="34" charset="0"/>
+                <a:ea typeface="ＭＳ Ｐゴシック" panose="020B0600070205080204" pitchFamily="50" charset="-128"/>
+              </a:defRPr>
+            </a:lvl9pPr>
+          </a:lstStyle>
+          <a:p>
+            <a:pPr algn="just"/>
+            <a:r>
+              <a:rPr lang="en-US" altLang="ja-JP" sz="2000"/>
+              <a:t>H. Ishibuchi, N. Akedo, and Y. Nojima, “Behavior of multiobjective evolutionary algorithm on many-objective knapsack problems,” </a:t>
+            </a:r>
+            <a:r>
+              <a:rPr lang="en-US" altLang="ja-JP" sz="2000" i="1"/>
+              <a:t>IEEE Transactions on Evolutionary Computation, </a:t>
+            </a:r>
+            <a:r>
+              <a:rPr lang="en-US" altLang="ja-JP" sz="2000"/>
+              <a:t>vol. 19, no. 2, Apr. 2015.</a:t>
+            </a:r>
+            <a:endParaRPr lang="ja-JP" altLang="en-US" sz="2000"/>
+          </a:p>
+        </p:txBody>
+      </p:sp>
+      <p:sp>
+        <p:nvSpPr>
+          <p:cNvPr id="6149" name="テキスト ボックス 1"/>
+          <p:cNvSpPr txBox="1">
+            <a:spLocks noChangeArrowheads="1"/>
+          </p:cNvSpPr>
+          <p:nvPr/>
+        </p:nvSpPr>
+        <p:spPr bwMode="auto">
+          <a:xfrm>
+            <a:off x="342900" y="2036616"/>
+            <a:ext cx="7104380" cy="1384995"/>
+          </a:xfrm>
+          <a:prstGeom prst="rect">
+            <a:avLst/>
+          </a:prstGeom>
+          <a:noFill/>
+          <a:ln>
+            <a:noFill/>
+          </a:ln>
+          <a:extLst>
+            <a:ext uri="{909E8E84-426E-40DD-AFC4-6F175D3DCCD1}">
+              <a14:hiddenFill xmlns:a14="http://schemas.microsoft.com/office/drawing/2010/main">
+                <a:solidFill>
+                  <a:srgbClr val="FFFFFF"/>
+                </a:solidFill>
+              </a14:hiddenFill>
+            </a:ext>
+            <a:ext uri="{91240B29-F687-4F45-9708-019B960494DF}">
+              <a14:hiddenLine xmlns:a14="http://schemas.microsoft.com/office/drawing/2010/main" w="9525">
+                <a:solidFill>
+                  <a:srgbClr val="000000"/>
+                </a:solidFill>
+                <a:miter lim="800000"/>
+                <a:headEnd/>
+                <a:tailEnd/>
+              </a14:hiddenLine>
+            </a:ext>
+          </a:extLst>
+        </p:spPr>
+        <p:txBody>
+          <a:bodyPr wrap="square">
+            <a:spAutoFit/>
+          </a:bodyPr>
+          <a:lstStyle>
+            <a:lvl1pPr>
+              <a:defRPr kumimoji="1">
+                <a:solidFill>
+                  <a:schemeClr val="tx1"/>
+                </a:solidFill>
+                <a:latin typeface="Arial" panose="020B0604020202020204" pitchFamily="34" charset="0"/>
+                <a:ea typeface="ＭＳ Ｐゴシック" panose="020B0600070205080204" pitchFamily="50" charset="-128"/>
+              </a:defRPr>
+            </a:lvl1pPr>
+            <a:lvl2pPr marL="742950" indent="-285750">
+              <a:defRPr kumimoji="1">
+                <a:solidFill>
+                  <a:schemeClr val="tx1"/>
+                </a:solidFill>
+                <a:latin typeface="Arial" panose="020B0604020202020204" pitchFamily="34" charset="0"/>
+                <a:ea typeface="ＭＳ Ｐゴシック" panose="020B0600070205080204" pitchFamily="50" charset="-128"/>
+              </a:defRPr>
+            </a:lvl2pPr>
+            <a:lvl3pPr marL="1143000" indent="-228600">
+              <a:defRPr kumimoji="1">
+                <a:solidFill>
+                  <a:schemeClr val="tx1"/>
+                </a:solidFill>
+                <a:latin typeface="Arial" panose="020B0604020202020204" pitchFamily="34" charset="0"/>
+                <a:ea typeface="ＭＳ Ｐゴシック" panose="020B0600070205080204" pitchFamily="50" charset="-128"/>
+              </a:defRPr>
+            </a:lvl3pPr>
+            <a:lvl4pPr marL="1600200" indent="-228600">
+              <a:defRPr kumimoji="1">
+                <a:solidFill>
+                  <a:schemeClr val="tx1"/>
+                </a:solidFill>
+                <a:latin typeface="Arial" panose="020B0604020202020204" pitchFamily="34" charset="0"/>
+                <a:ea typeface="ＭＳ Ｐゴシック" panose="020B0600070205080204" pitchFamily="50" charset="-128"/>
+              </a:defRPr>
+            </a:lvl4pPr>
+            <a:lvl5pPr marL="2057400" indent="-228600">
+              <a:defRPr kumimoji="1">
+                <a:solidFill>
+                  <a:schemeClr val="tx1"/>
+                </a:solidFill>
+                <a:latin typeface="Arial" panose="020B0604020202020204" pitchFamily="34" charset="0"/>
+                <a:ea typeface="ＭＳ Ｐゴシック" panose="020B0600070205080204" pitchFamily="50" charset="-128"/>
+              </a:defRPr>
+            </a:lvl5pPr>
+            <a:lvl6pPr marL="2514600" indent="-228600" eaLnBrk="0" fontAlgn="base" hangingPunct="0">
+              <a:spcBef>
+                <a:spcPct val="0"/>
+              </a:spcBef>
+              <a:spcAft>
+                <a:spcPct val="0"/>
+              </a:spcAft>
+              <a:defRPr kumimoji="1">
+                <a:solidFill>
+                  <a:schemeClr val="tx1"/>
+                </a:solidFill>
+                <a:latin typeface="Arial" panose="020B0604020202020204" pitchFamily="34" charset="0"/>
+                <a:ea typeface="ＭＳ Ｐゴシック" panose="020B0600070205080204" pitchFamily="50" charset="-128"/>
+              </a:defRPr>
+            </a:lvl6pPr>
+            <a:lvl7pPr marL="2971800" indent="-228600" eaLnBrk="0" fontAlgn="base" hangingPunct="0">
+              <a:spcBef>
+                <a:spcPct val="0"/>
+              </a:spcBef>
+              <a:spcAft>
+                <a:spcPct val="0"/>
+              </a:spcAft>
+              <a:defRPr kumimoji="1">
+                <a:solidFill>
+                  <a:schemeClr val="tx1"/>
+                </a:solidFill>
+                <a:latin typeface="Arial" panose="020B0604020202020204" pitchFamily="34" charset="0"/>
+                <a:ea typeface="ＭＳ Ｐゴシック" panose="020B0600070205080204" pitchFamily="50" charset="-128"/>
+              </a:defRPr>
+            </a:lvl7pPr>
+            <a:lvl8pPr marL="3429000" indent="-228600" eaLnBrk="0" fontAlgn="base" hangingPunct="0">
+              <a:spcBef>
+                <a:spcPct val="0"/>
+              </a:spcBef>
+              <a:spcAft>
+                <a:spcPct val="0"/>
+              </a:spcAft>
+              <a:defRPr kumimoji="1">
+                <a:solidFill>
+                  <a:schemeClr val="tx1"/>
+                </a:solidFill>
+                <a:latin typeface="Arial" panose="020B0604020202020204" pitchFamily="34" charset="0"/>
+                <a:ea typeface="ＭＳ Ｐゴシック" panose="020B0600070205080204" pitchFamily="50" charset="-128"/>
+              </a:defRPr>
+            </a:lvl8pPr>
+            <a:lvl9pPr marL="3886200" indent="-228600" eaLnBrk="0" fontAlgn="base" hangingPunct="0">
+              <a:spcBef>
+                <a:spcPct val="0"/>
+              </a:spcBef>
+              <a:spcAft>
+                <a:spcPct val="0"/>
+              </a:spcAft>
+              <a:defRPr kumimoji="1">
+                <a:solidFill>
+                  <a:schemeClr val="tx1"/>
+                </a:solidFill>
+                <a:latin typeface="Arial" panose="020B0604020202020204" pitchFamily="34" charset="0"/>
+                <a:ea typeface="ＭＳ Ｐゴシック" panose="020B0600070205080204" pitchFamily="50" charset="-128"/>
+              </a:defRPr>
+            </a:lvl9pPr>
+          </a:lstStyle>
+          <a:p>
+            <a:r>
+              <a:rPr lang="ja-JP" altLang="en-US" sz="2800" dirty="0" smtClean="0"/>
+              <a:t>重さ </a:t>
+            </a:r>
+            <a:r>
+              <a:rPr lang="en-US" altLang="ja-JP" sz="2800" dirty="0" smtClean="0"/>
+              <a:t>: </a:t>
+            </a:r>
+            <a:r>
+              <a:rPr lang="en-US" altLang="ja-JP" sz="2800" dirty="0"/>
+              <a:t>[10, 100]</a:t>
+            </a:r>
+            <a:r>
+              <a:rPr lang="ja-JP" altLang="en-US" sz="2800" dirty="0" err="1"/>
+              <a:t>の整</a:t>
+            </a:r>
+            <a:r>
+              <a:rPr lang="ja-JP" altLang="en-US" sz="2800" dirty="0"/>
+              <a:t>数値</a:t>
+            </a:r>
+            <a:endParaRPr lang="en-US" altLang="ja-JP" sz="2800" dirty="0"/>
+          </a:p>
+          <a:p>
+            <a:r>
+              <a:rPr lang="ja-JP" altLang="en-US" sz="2800" dirty="0" smtClean="0"/>
+              <a:t>価値 </a:t>
+            </a:r>
+            <a:r>
+              <a:rPr lang="en-US" altLang="ja-JP" sz="2800" dirty="0" smtClean="0"/>
+              <a:t>:  </a:t>
+            </a:r>
+            <a:r>
+              <a:rPr lang="en-US" altLang="ja-JP" sz="2800" dirty="0"/>
+              <a:t>[10, 100]</a:t>
+            </a:r>
+            <a:r>
+              <a:rPr lang="ja-JP" altLang="en-US" sz="2800" dirty="0" err="1"/>
+              <a:t>の整</a:t>
+            </a:r>
+            <a:r>
+              <a:rPr lang="ja-JP" altLang="en-US" sz="2800" dirty="0"/>
+              <a:t>数値</a:t>
+            </a:r>
+            <a:endParaRPr lang="en-US" altLang="ja-JP" sz="2800" dirty="0"/>
+          </a:p>
+          <a:p>
+            <a:r>
+              <a:rPr lang="ja-JP" altLang="en-US" sz="2800" dirty="0"/>
+              <a:t>ナップサック許容量</a:t>
+            </a:r>
+            <a:r>
+              <a:rPr lang="en-US" altLang="ja-JP" sz="2800" dirty="0">
+                <a:sym typeface="Wingdings" panose="05000000000000000000" pitchFamily="2" charset="2"/>
+              </a:rPr>
+              <a:t>: (</a:t>
+            </a:r>
+            <a:r>
+              <a:rPr lang="ja-JP" altLang="en-US" sz="2800" dirty="0">
+                <a:sym typeface="Wingdings" panose="05000000000000000000" pitchFamily="2" charset="2"/>
+              </a:rPr>
+              <a:t>アイテムの総重量</a:t>
+            </a:r>
+            <a:r>
+              <a:rPr lang="en-US" altLang="ja-JP" sz="2800" dirty="0">
+                <a:sym typeface="Wingdings" panose="05000000000000000000" pitchFamily="2" charset="2"/>
+              </a:rPr>
+              <a:t>)/2</a:t>
+            </a:r>
+            <a:endParaRPr lang="en-US" altLang="ja-JP" sz="2800" dirty="0"/>
+          </a:p>
+        </p:txBody>
+      </p:sp>
+      <p:grpSp>
+        <p:nvGrpSpPr>
+          <p:cNvPr id="3" name="グループ化 2"/>
+          <p:cNvGrpSpPr/>
+          <p:nvPr/>
+        </p:nvGrpSpPr>
+        <p:grpSpPr>
+          <a:xfrm>
+            <a:off x="2606675" y="3911737"/>
+            <a:ext cx="3930650" cy="1590675"/>
+            <a:chOff x="412750" y="3600450"/>
+            <a:chExt cx="3930650" cy="1590675"/>
+          </a:xfrm>
+        </p:grpSpPr>
+        <p:pic>
+          <p:nvPicPr>
+            <p:cNvPr id="6152" name="Picture 6" descr="ãããããµãã¯åé¡ãã®ç»åæ¤ç´¢çµæ"/>
+            <p:cNvPicPr>
+              <a:picLocks noChangeAspect="1" noChangeArrowheads="1"/>
+            </p:cNvPicPr>
+            <p:nvPr/>
+          </p:nvPicPr>
+          <p:blipFill>
+            <a:blip r:embed="rId2">
+              <a:extLst>
+                <a:ext uri="{28A0092B-C50C-407E-A947-70E740481C1C}">
+                  <a14:useLocalDpi xmlns:a14="http://schemas.microsoft.com/office/drawing/2010/main" val="0"/>
+                </a:ext>
+              </a:extLst>
+            </a:blip>
+            <a:srcRect/>
+            <a:stretch>
+              <a:fillRect/>
+            </a:stretch>
+          </p:blipFill>
+          <p:spPr bwMode="auto">
+            <a:xfrm>
+              <a:off x="481013" y="3678238"/>
+              <a:ext cx="1744662" cy="1512887"/>
+            </a:xfrm>
+            <a:prstGeom prst="rect">
+              <a:avLst/>
+            </a:prstGeom>
+            <a:noFill/>
+            <a:ln>
+              <a:noFill/>
+            </a:ln>
+            <a:extLst>
+              <a:ext uri="{909E8E84-426E-40DD-AFC4-6F175D3DCCD1}">
+                <a14:hiddenFill xmlns:a14="http://schemas.microsoft.com/office/drawing/2010/main">
+                  <a:solidFill>
+                    <a:srgbClr val="FFFFFF"/>
+                  </a:solidFill>
+                </a14:hiddenFill>
+              </a:ext>
+              <a:ext uri="{91240B29-F687-4F45-9708-019B960494DF}">
+                <a14:hiddenLine xmlns:a14="http://schemas.microsoft.com/office/drawing/2010/main" w="9525">
+                  <a:solidFill>
+                    <a:srgbClr val="000000"/>
+                  </a:solidFill>
+                  <a:miter lim="800000"/>
+                  <a:headEnd/>
+                  <a:tailEnd/>
+                </a14:hiddenLine>
+              </a:ext>
+            </a:extLst>
+          </p:spPr>
+        </p:pic>
+        <p:pic>
+          <p:nvPicPr>
+            <p:cNvPr id="6153" name="Picture 6" descr="ãããããµãã¯åé¡ãã®ç»åæ¤ç´¢çµæ"/>
+            <p:cNvPicPr>
+              <a:picLocks noChangeAspect="1" noChangeArrowheads="1"/>
+            </p:cNvPicPr>
+            <p:nvPr/>
+          </p:nvPicPr>
+          <p:blipFill>
+            <a:blip r:embed="rId2">
+              <a:extLst>
+                <a:ext uri="{28A0092B-C50C-407E-A947-70E740481C1C}">
+                  <a14:useLocalDpi xmlns:a14="http://schemas.microsoft.com/office/drawing/2010/main" val="0"/>
+                </a:ext>
+              </a:extLst>
+            </a:blip>
+            <a:srcRect/>
+            <a:stretch>
+              <a:fillRect/>
+            </a:stretch>
+          </p:blipFill>
+          <p:spPr bwMode="auto">
+            <a:xfrm>
+              <a:off x="2516188" y="3775075"/>
+              <a:ext cx="1522412" cy="1319213"/>
+            </a:xfrm>
+            <a:prstGeom prst="rect">
+              <a:avLst/>
+            </a:prstGeom>
+            <a:noFill/>
+            <a:ln>
+              <a:noFill/>
+            </a:ln>
+            <a:extLst>
+              <a:ext uri="{909E8E84-426E-40DD-AFC4-6F175D3DCCD1}">
+                <a14:hiddenFill xmlns:a14="http://schemas.microsoft.com/office/drawing/2010/main">
+                  <a:solidFill>
+                    <a:srgbClr val="FFFFFF"/>
+                  </a:solidFill>
+                </a14:hiddenFill>
+              </a:ext>
+              <a:ext uri="{91240B29-F687-4F45-9708-019B960494DF}">
+                <a14:hiddenLine xmlns:a14="http://schemas.microsoft.com/office/drawing/2010/main" w="9525">
+                  <a:solidFill>
+                    <a:srgbClr val="000000"/>
+                  </a:solidFill>
+                  <a:miter lim="800000"/>
+                  <a:headEnd/>
+                  <a:tailEnd/>
+                </a14:hiddenLine>
+              </a:ext>
+            </a:extLst>
+          </p:spPr>
+        </p:pic>
+        <p:sp>
+          <p:nvSpPr>
+            <p:cNvPr id="6156" name="テキスト ボックス 13"/>
+            <p:cNvSpPr txBox="1">
+              <a:spLocks noChangeArrowheads="1"/>
+            </p:cNvSpPr>
+            <p:nvPr/>
+          </p:nvSpPr>
+          <p:spPr bwMode="auto">
+            <a:xfrm>
+              <a:off x="412750" y="3600450"/>
+              <a:ext cx="3930650" cy="1590675"/>
+            </a:xfrm>
+            <a:prstGeom prst="rect">
+              <a:avLst/>
+            </a:prstGeom>
+            <a:noFill/>
+            <a:ln w="9525">
+              <a:solidFill>
+                <a:schemeClr val="tx1"/>
+              </a:solidFill>
+              <a:miter lim="800000"/>
+              <a:headEnd/>
+              <a:tailEnd/>
+            </a:ln>
+            <a:extLst>
+              <a:ext uri="{909E8E84-426E-40DD-AFC4-6F175D3DCCD1}">
+                <a14:hiddenFill xmlns:a14="http://schemas.microsoft.com/office/drawing/2010/main">
+                  <a:solidFill>
+                    <a:srgbClr val="FFFFFF"/>
+                  </a:solidFill>
+                </a14:hiddenFill>
+              </a:ext>
+            </a:extLst>
+          </p:spPr>
+          <p:txBody>
+            <a:bodyPr>
+              <a:spAutoFit/>
+            </a:bodyPr>
+            <a:lstStyle>
+              <a:lvl1pPr>
+                <a:defRPr kumimoji="1">
+                  <a:solidFill>
+                    <a:schemeClr val="tx1"/>
+                  </a:solidFill>
+                  <a:latin typeface="Arial" panose="020B0604020202020204" pitchFamily="34" charset="0"/>
+                  <a:ea typeface="ＭＳ Ｐゴシック" panose="020B0600070205080204" pitchFamily="50" charset="-128"/>
+                </a:defRPr>
+              </a:lvl1pPr>
+              <a:lvl2pPr marL="742950" indent="-285750">
+                <a:defRPr kumimoji="1">
+                  <a:solidFill>
+                    <a:schemeClr val="tx1"/>
+                  </a:solidFill>
+                  <a:latin typeface="Arial" panose="020B0604020202020204" pitchFamily="34" charset="0"/>
+                  <a:ea typeface="ＭＳ Ｐゴシック" panose="020B0600070205080204" pitchFamily="50" charset="-128"/>
+                </a:defRPr>
+              </a:lvl2pPr>
+              <a:lvl3pPr marL="1143000" indent="-228600">
+                <a:defRPr kumimoji="1">
+                  <a:solidFill>
+                    <a:schemeClr val="tx1"/>
+                  </a:solidFill>
+                  <a:latin typeface="Arial" panose="020B0604020202020204" pitchFamily="34" charset="0"/>
+                  <a:ea typeface="ＭＳ Ｐゴシック" panose="020B0600070205080204" pitchFamily="50" charset="-128"/>
+                </a:defRPr>
+              </a:lvl3pPr>
+              <a:lvl4pPr marL="1600200" indent="-228600">
+                <a:defRPr kumimoji="1">
+                  <a:solidFill>
+                    <a:schemeClr val="tx1"/>
+                  </a:solidFill>
+                  <a:latin typeface="Arial" panose="020B0604020202020204" pitchFamily="34" charset="0"/>
+                  <a:ea typeface="ＭＳ Ｐゴシック" panose="020B0600070205080204" pitchFamily="50" charset="-128"/>
+                </a:defRPr>
+              </a:lvl4pPr>
+              <a:lvl5pPr marL="2057400" indent="-228600">
+                <a:defRPr kumimoji="1">
+                  <a:solidFill>
+                    <a:schemeClr val="tx1"/>
+                  </a:solidFill>
+                  <a:latin typeface="Arial" panose="020B0604020202020204" pitchFamily="34" charset="0"/>
+                  <a:ea typeface="ＭＳ Ｐゴシック" panose="020B0600070205080204" pitchFamily="50" charset="-128"/>
+                </a:defRPr>
+              </a:lvl5pPr>
+              <a:lvl6pPr marL="2514600" indent="-228600" eaLnBrk="0" fontAlgn="base" hangingPunct="0">
+                <a:spcBef>
+                  <a:spcPct val="0"/>
+                </a:spcBef>
+                <a:spcAft>
+                  <a:spcPct val="0"/>
+                </a:spcAft>
+                <a:defRPr kumimoji="1">
+                  <a:solidFill>
+                    <a:schemeClr val="tx1"/>
+                  </a:solidFill>
+                  <a:latin typeface="Arial" panose="020B0604020202020204" pitchFamily="34" charset="0"/>
+                  <a:ea typeface="ＭＳ Ｐゴシック" panose="020B0600070205080204" pitchFamily="50" charset="-128"/>
+                </a:defRPr>
+              </a:lvl6pPr>
+              <a:lvl7pPr marL="2971800" indent="-228600" eaLnBrk="0" fontAlgn="base" hangingPunct="0">
+                <a:spcBef>
+                  <a:spcPct val="0"/>
+                </a:spcBef>
+                <a:spcAft>
+                  <a:spcPct val="0"/>
+                </a:spcAft>
+                <a:defRPr kumimoji="1">
+                  <a:solidFill>
+                    <a:schemeClr val="tx1"/>
+                  </a:solidFill>
+                  <a:latin typeface="Arial" panose="020B0604020202020204" pitchFamily="34" charset="0"/>
+                  <a:ea typeface="ＭＳ Ｐゴシック" panose="020B0600070205080204" pitchFamily="50" charset="-128"/>
+                </a:defRPr>
+              </a:lvl7pPr>
+              <a:lvl8pPr marL="3429000" indent="-228600" eaLnBrk="0" fontAlgn="base" hangingPunct="0">
+                <a:spcBef>
+                  <a:spcPct val="0"/>
+                </a:spcBef>
+                <a:spcAft>
+                  <a:spcPct val="0"/>
+                </a:spcAft>
+                <a:defRPr kumimoji="1">
+                  <a:solidFill>
+                    <a:schemeClr val="tx1"/>
+                  </a:solidFill>
+                  <a:latin typeface="Arial" panose="020B0604020202020204" pitchFamily="34" charset="0"/>
+                  <a:ea typeface="ＭＳ Ｐゴシック" panose="020B0600070205080204" pitchFamily="50" charset="-128"/>
+                </a:defRPr>
+              </a:lvl8pPr>
+              <a:lvl9pPr marL="3886200" indent="-228600" eaLnBrk="0" fontAlgn="base" hangingPunct="0">
+                <a:spcBef>
+                  <a:spcPct val="0"/>
+                </a:spcBef>
+                <a:spcAft>
+                  <a:spcPct val="0"/>
+                </a:spcAft>
+                <a:defRPr kumimoji="1">
+                  <a:solidFill>
+                    <a:schemeClr val="tx1"/>
+                  </a:solidFill>
+                  <a:latin typeface="Arial" panose="020B0604020202020204" pitchFamily="34" charset="0"/>
+                  <a:ea typeface="ＭＳ Ｐゴシック" panose="020B0600070205080204" pitchFamily="50" charset="-128"/>
+                </a:defRPr>
+              </a:lvl9pPr>
+            </a:lstStyle>
+            <a:p>
+              <a:endParaRPr lang="ja-JP" altLang="en-US"/>
+            </a:p>
+          </p:txBody>
+        </p:sp>
+      </p:grpSp>
+    </p:spTree>
+    <p:extLst>
+      <p:ext uri="{BB962C8B-B14F-4D97-AF65-F5344CB8AC3E}">
+        <p14:creationId xmlns:p14="http://schemas.microsoft.com/office/powerpoint/2010/main" val="2133759353"/>
+      </p:ext>
+    </p:extLst>
+  </p:cSld>
+  <p:clrMapOvr>
+    <a:masterClrMapping/>
+  </p:clrMapOvr>
+  <p:timing>
+    <p:tnLst>
+      <p:par>
+        <p:cTn id="1" dur="indefinite" restart="never" nodeType="tmRoot"/>
+      </p:par>
+    </p:tnLst>
+  </p:timing>
+</p:sld>
+</file>
+
+<file path=ppt/slides/slide3.xml><?xml version="1.0" encoding="utf-8"?>
+<p:sld xmlns:a="http://schemas.openxmlformats.org/drawingml/2006/main" xmlns:r="http://schemas.openxmlformats.org/officeDocument/2006/relationships" xmlns:p="http://schemas.openxmlformats.org/presentationml/2006/main">
+  <p:cSld>
+    <p:spTree>
+      <p:nvGrpSpPr>
+        <p:cNvPr id="1" name=""/>
+        <p:cNvGrpSpPr/>
+        <p:nvPr/>
+      </p:nvGrpSpPr>
+      <p:grpSpPr>
+        <a:xfrm>
+          <a:off x="0" y="0"/>
+          <a:ext cx="0" cy="0"/>
+          <a:chOff x="0" y="0"/>
+          <a:chExt cx="0" cy="0"/>
+        </a:xfrm>
+      </p:grpSpPr>
+      <p:sp>
+        <p:nvSpPr>
           <p:cNvPr id="6" name="タイトル 5"/>
           <p:cNvSpPr>
             <a:spLocks noGrp="1"/>
@@ -2493,8 +3414,8 @@
           </a:p>
         </p:txBody>
       </p:sp>
-      <mc:AlternateContent xmlns:mc="http://schemas.openxmlformats.org/markup-compatibility/2006" xmlns:a14="http://schemas.microsoft.com/office/drawing/2010/main">
-        <mc:Choice Requires="a14">
+      <mc:AlternateContent xmlns:mc="http://schemas.openxmlformats.org/markup-compatibility/2006">
+        <mc:Choice xmlns:a14="http://schemas.microsoft.com/office/drawing/2010/main" Requires="a14">
           <p:sp>
             <p:nvSpPr>
               <p:cNvPr id="2" name="テキスト ボックス 1"/>
@@ -2503,8 +3424,8 @@
             </p:nvSpPr>
             <p:spPr>
               <a:xfrm>
-                <a:off x="3268732" y="2560320"/>
-                <a:ext cx="2110065" cy="1254702"/>
+                <a:off x="3283961" y="2560320"/>
+                <a:ext cx="2079607" cy="1254702"/>
               </a:xfrm>
               <a:prstGeom prst="rect">
                 <a:avLst/>
@@ -2636,7 +3557,17 @@
                               <a:latin typeface="Times New Roman" panose="02020603050405020304" pitchFamily="18" charset="0"/>
                               <a:cs typeface="Times New Roman" panose="02020603050405020304" pitchFamily="18" charset="0"/>
                             </a:rPr>
-                            <m:t>cj</m:t>
+                            <m:t>c</m:t>
+                          </m:r>
+                          <m:r>
+                            <m:rPr>
+                              <m:nor/>
+                            </m:rPr>
+                            <a:rPr kumimoji="1" lang="en-US" altLang="ja-JP" sz="2800" b="0" i="1" baseline="-25000" smtClean="0">
+                              <a:latin typeface="Times New Roman" panose="02020603050405020304" pitchFamily="18" charset="0"/>
+                              <a:cs typeface="Times New Roman" panose="02020603050405020304" pitchFamily="18" charset="0"/>
+                            </a:rPr>
+                            <m:t>j</m:t>
                           </m:r>
                         </m:e>
                       </m:nary>
@@ -2651,7 +3582,7 @@
             </p:txBody>
           </p:sp>
         </mc:Choice>
-        <mc:Fallback xmlns="">
+        <mc:Fallback>
           <p:sp>
             <p:nvSpPr>
               <p:cNvPr id="2" name="テキスト ボックス 1"/>
@@ -2662,13 +3593,13 @@
             </p:nvSpPr>
             <p:spPr>
               <a:xfrm>
-                <a:off x="3268732" y="2560320"/>
-                <a:ext cx="2110065" cy="1254702"/>
+                <a:off x="3283961" y="2560320"/>
+                <a:ext cx="2079607" cy="1254702"/>
               </a:xfrm>
               <a:prstGeom prst="rect">
                 <a:avLst/>
               </a:prstGeom>
-              <a:blipFill rotWithShape="0">
+              <a:blipFill>
                 <a:blip r:embed="rId2"/>
                 <a:stretch>
                   <a:fillRect/>
@@ -2690,8 +3621,8 @@
           </p:sp>
         </mc:Fallback>
       </mc:AlternateContent>
-      <mc:AlternateContent xmlns:mc="http://schemas.openxmlformats.org/markup-compatibility/2006" xmlns:a14="http://schemas.microsoft.com/office/drawing/2010/main">
-        <mc:Choice Requires="a14">
+      <mc:AlternateContent xmlns:mc="http://schemas.openxmlformats.org/markup-compatibility/2006">
+        <mc:Choice xmlns:a14="http://schemas.microsoft.com/office/drawing/2010/main" Requires="a14">
           <p:sp>
             <p:nvSpPr>
               <p:cNvPr id="10" name="テキスト ボックス 9"/>
@@ -2700,8 +3631,8 @@
             </p:nvSpPr>
             <p:spPr>
               <a:xfrm>
-                <a:off x="3165338" y="4719930"/>
-                <a:ext cx="2316853" cy="1254702"/>
+                <a:off x="3140492" y="4719930"/>
+                <a:ext cx="2366545" cy="1254702"/>
               </a:xfrm>
               <a:prstGeom prst="rect">
                 <a:avLst/>
@@ -2819,7 +3750,7 @@
                             <m:rPr>
                               <m:nor/>
                             </m:rPr>
-                            <a:rPr kumimoji="1" lang="en-US" altLang="ja-JP" sz="2800" b="0" i="1" baseline="-25000" smtClean="0">
+                            <a:rPr kumimoji="1" lang="en-US" altLang="ja-JP" sz="2800" b="0" i="1" smtClean="0">
                               <a:latin typeface="Times New Roman" panose="02020603050405020304" pitchFamily="18" charset="0"/>
                               <a:cs typeface="Times New Roman" panose="02020603050405020304" pitchFamily="18" charset="0"/>
                             </a:rPr>
@@ -2871,7 +3802,7 @@
             </p:txBody>
           </p:sp>
         </mc:Choice>
-        <mc:Fallback xmlns="">
+        <mc:Fallback>
           <p:sp>
             <p:nvSpPr>
               <p:cNvPr id="10" name="テキスト ボックス 9"/>
@@ -2882,13 +3813,13 @@
             </p:nvSpPr>
             <p:spPr>
               <a:xfrm>
-                <a:off x="3165338" y="4719930"/>
-                <a:ext cx="2316853" cy="1254702"/>
+                <a:off x="3140492" y="4719930"/>
+                <a:ext cx="2366545" cy="1254702"/>
               </a:xfrm>
               <a:prstGeom prst="rect">
                 <a:avLst/>
               </a:prstGeom>
-              <a:blipFill rotWithShape="0">
+              <a:blipFill>
                 <a:blip r:embed="rId3"/>
                 <a:stretch>
                   <a:fillRect/>
@@ -2989,7 +3920,7 @@
               <a:endParaRPr lang="en-US" altLang="ja-JP" sz="2400" dirty="0"/>
             </a:p>
             <a:p>
-              <a:pPr indent="534988"/>
+              <a:pPr indent="536575"/>
               <a:r>
                 <a:rPr kumimoji="1" lang="ja-JP" altLang="en-US" sz="2400" dirty="0" smtClean="0"/>
                 <a:t>アイテム</a:t>
@@ -3201,246 +4132,6 @@
 </p:sld>
 </file>
 
-<file path=ppt/slides/slide3.xml><?xml version="1.0" encoding="utf-8"?>
-<p:sld xmlns:a="http://schemas.openxmlformats.org/drawingml/2006/main" xmlns:r="http://schemas.openxmlformats.org/officeDocument/2006/relationships" xmlns:p="http://schemas.openxmlformats.org/presentationml/2006/main">
-  <p:cSld>
-    <p:spTree>
-      <p:nvGrpSpPr>
-        <p:cNvPr id="1" name=""/>
-        <p:cNvGrpSpPr/>
-        <p:nvPr/>
-      </p:nvGrpSpPr>
-      <p:grpSpPr>
-        <a:xfrm>
-          <a:off x="0" y="0"/>
-          <a:ext cx="0" cy="0"/>
-          <a:chOff x="0" y="0"/>
-          <a:chExt cx="0" cy="0"/>
-        </a:xfrm>
-      </p:grpSpPr>
-      <p:sp>
-        <p:nvSpPr>
-          <p:cNvPr id="2" name="タイトル 1"/>
-          <p:cNvSpPr>
-            <a:spLocks noGrp="1"/>
-          </p:cNvSpPr>
-          <p:nvPr>
-            <p:ph type="title"/>
-          </p:nvPr>
-        </p:nvSpPr>
-        <p:spPr/>
-        <p:txBody>
-          <a:bodyPr/>
-          <a:lstStyle/>
-          <a:p>
-            <a:r>
-              <a:rPr kumimoji="1" lang="ja-JP" altLang="en-US" dirty="0" smtClean="0"/>
-              <a:t>予備実験</a:t>
-            </a:r>
-            <a:endParaRPr kumimoji="1" lang="ja-JP" altLang="en-US" dirty="0"/>
-          </a:p>
-        </p:txBody>
-      </p:sp>
-      <p:sp>
-        <p:nvSpPr>
-          <p:cNvPr id="3" name="コンテンツ プレースホルダー 2"/>
-          <p:cNvSpPr>
-            <a:spLocks noGrp="1"/>
-          </p:cNvSpPr>
-          <p:nvPr>
-            <p:ph idx="1"/>
-          </p:nvPr>
-        </p:nvSpPr>
-        <p:spPr/>
-        <p:txBody>
-          <a:bodyPr/>
-          <a:lstStyle/>
-          <a:p>
-            <a:r>
-              <a:rPr kumimoji="1" lang="ja-JP" altLang="en-US" dirty="0" smtClean="0"/>
-              <a:t>アイテム数が少ない場合で，</a:t>
-            </a:r>
-            <a:r>
-              <a:rPr kumimoji="1" lang="en-US" altLang="ja-JP" dirty="0" smtClean="0"/>
-              <a:t>PF</a:t>
-            </a:r>
-            <a:r>
-              <a:rPr kumimoji="1" lang="ja-JP" altLang="en-US" dirty="0" smtClean="0"/>
-              <a:t>がどのように変化するかを調査</a:t>
-            </a:r>
-            <a:endParaRPr kumimoji="1" lang="en-US" altLang="ja-JP" dirty="0" smtClean="0"/>
-          </a:p>
-          <a:p>
-            <a:pPr algn="l"/>
-            <a:r>
-              <a:rPr lang="en-US" altLang="ja-JP" dirty="0"/>
-              <a:t/>
-            </a:r>
-            <a:br>
-              <a:rPr lang="en-US" altLang="ja-JP" dirty="0"/>
-            </a:br>
-            <a:r>
-              <a:rPr lang="en-US" altLang="ja-JP" dirty="0" smtClean="0"/>
-              <a:t/>
-            </a:r>
-            <a:br>
-              <a:rPr lang="en-US" altLang="ja-JP" dirty="0" smtClean="0"/>
-            </a:br>
-            <a:r>
-              <a:rPr lang="ja-JP" altLang="en-US" dirty="0"/>
-              <a:t>・</a:t>
-            </a:r>
-            <a:r>
-              <a:rPr lang="ja-JP" altLang="en-US" dirty="0" smtClean="0"/>
-              <a:t>目的数：</a:t>
-            </a:r>
-            <a:r>
-              <a:rPr lang="en-US" altLang="ja-JP" dirty="0" smtClean="0"/>
-              <a:t>2</a:t>
-            </a:r>
-            <a:br>
-              <a:rPr lang="en-US" altLang="ja-JP" dirty="0" smtClean="0"/>
-            </a:br>
-            <a:r>
-              <a:rPr lang="ja-JP" altLang="en-US" dirty="0"/>
-              <a:t>・</a:t>
-            </a:r>
-            <a:r>
-              <a:rPr lang="ja-JP" altLang="en-US" dirty="0" smtClean="0"/>
-              <a:t>アイテム数：</a:t>
-            </a:r>
-            <a:r>
-              <a:rPr lang="en-US" altLang="ja-JP" dirty="0" smtClean="0"/>
-              <a:t>15</a:t>
-            </a:r>
-            <a:br>
-              <a:rPr lang="en-US" altLang="ja-JP" dirty="0" smtClean="0"/>
-            </a:br>
-            <a:r>
-              <a:rPr lang="ja-JP" altLang="en-US" dirty="0" smtClean="0"/>
-              <a:t>・縮小率：</a:t>
-            </a:r>
-            <a:r>
-              <a:rPr lang="en-US" altLang="ja-JP" dirty="0" smtClean="0"/>
-              <a:t>[0.6, 0.8, 1.0, 1.2, 1.4</a:t>
-            </a:r>
-            <a:r>
-              <a:rPr lang="en-US" altLang="ja-JP" dirty="0" smtClean="0"/>
-              <a:t>]</a:t>
-            </a:r>
-            <a:br>
-              <a:rPr lang="en-US" altLang="ja-JP" dirty="0" smtClean="0"/>
-            </a:br>
-            <a:r>
-              <a:rPr lang="en-US" altLang="ja-JP" dirty="0" smtClean="0"/>
-              <a:t/>
-            </a:r>
-            <a:br>
-              <a:rPr lang="en-US" altLang="ja-JP" dirty="0" smtClean="0"/>
-            </a:br>
-            <a:r>
-              <a:rPr lang="ja-JP" altLang="en-US" dirty="0" smtClean="0"/>
-              <a:t>修復操作は，</a:t>
-            </a:r>
-            <a:r>
-              <a:rPr lang="en-US" altLang="ja-JP" dirty="0" smtClean="0"/>
-              <a:t>Greedy</a:t>
-            </a:r>
-            <a:r>
-              <a:rPr lang="ja-JP" altLang="en-US" dirty="0" smtClean="0"/>
-              <a:t> </a:t>
-            </a:r>
-            <a:r>
-              <a:rPr lang="en-US" altLang="ja-JP" dirty="0" smtClean="0"/>
-              <a:t>Repair</a:t>
-            </a:r>
-            <a:r>
-              <a:rPr lang="ja-JP" altLang="en-US" dirty="0" smtClean="0"/>
-              <a:t>を使用</a:t>
-            </a:r>
-            <a:endParaRPr lang="en-US" altLang="ja-JP" dirty="0"/>
-          </a:p>
-        </p:txBody>
-      </p:sp>
-      <p:sp>
-        <p:nvSpPr>
-          <p:cNvPr id="4" name="スライド番号プレースホルダー 3"/>
-          <p:cNvSpPr>
-            <a:spLocks noGrp="1"/>
-          </p:cNvSpPr>
-          <p:nvPr>
-            <p:ph type="sldNum" sz="quarter" idx="12"/>
-          </p:nvPr>
-        </p:nvSpPr>
-        <p:spPr/>
-        <p:txBody>
-          <a:bodyPr/>
-          <a:lstStyle/>
-          <a:p>
-            <a:fld id="{B5C67937-D10B-4F1B-BCB2-26B69D4AE1E2}" type="slidenum">
-              <a:rPr kumimoji="1" lang="ja-JP" altLang="en-US" smtClean="0"/>
-              <a:pPr/>
-              <a:t>3</a:t>
-            </a:fld>
-            <a:endParaRPr kumimoji="1" lang="ja-JP" altLang="en-US" dirty="0"/>
-          </a:p>
-        </p:txBody>
-      </p:sp>
-      <p:sp>
-        <p:nvSpPr>
-          <p:cNvPr id="5" name="テキスト ボックス 4"/>
-          <p:cNvSpPr txBox="1"/>
-          <p:nvPr/>
-        </p:nvSpPr>
-        <p:spPr>
-          <a:xfrm>
-            <a:off x="228600" y="2771339"/>
-            <a:ext cx="1899138" cy="584775"/>
-          </a:xfrm>
-          <a:prstGeom prst="rect">
-            <a:avLst/>
-          </a:prstGeom>
-          <a:noFill/>
-          <a:ln w="38100">
-            <a:solidFill>
-              <a:schemeClr val="accent2"/>
-            </a:solidFill>
-          </a:ln>
-        </p:spPr>
-        <p:txBody>
-          <a:bodyPr wrap="square" rtlCol="0">
-            <a:spAutoFit/>
-          </a:bodyPr>
-          <a:lstStyle/>
-          <a:p>
-            <a:pPr algn="ctr"/>
-            <a:r>
-              <a:rPr kumimoji="1" lang="ja-JP" altLang="en-US" sz="3200" dirty="0" smtClean="0"/>
-              <a:t>実験設定</a:t>
-            </a:r>
-          </a:p>
-        </p:txBody>
-      </p:sp>
-    </p:spTree>
-    <p:extLst>
-      <p:ext uri="{BB962C8B-B14F-4D97-AF65-F5344CB8AC3E}">
-        <p14:creationId xmlns:p14="http://schemas.microsoft.com/office/powerpoint/2010/main" val="2911259843"/>
-      </p:ext>
-    </p:extLst>
-  </p:cSld>
-  <p:clrMapOvr>
-    <a:masterClrMapping/>
-  </p:clrMapOvr>
-  <p:timing>
-    <p:tnLst>
-      <p:par>
-        <p:cTn id="1" dur="indefinite" restart="never" nodeType="tmRoot"/>
-      </p:par>
-    </p:tnLst>
-  </p:timing>
-</p:sld>
-</file>
-
 <file path=ppt/slides/slide4.xml><?xml version="1.0" encoding="utf-8"?>
 <p:sld xmlns:a="http://schemas.openxmlformats.org/drawingml/2006/main" xmlns:r="http://schemas.openxmlformats.org/officeDocument/2006/relationships" xmlns:p="http://schemas.openxmlformats.org/presentationml/2006/main">
   <p:cSld>
@@ -3474,12 +4165,8 @@
           <a:lstStyle/>
           <a:p>
             <a:r>
-              <a:rPr lang="ja-JP" altLang="en-US" dirty="0" smtClean="0"/>
-              <a:t>予備</a:t>
-            </a:r>
-            <a:r>
-              <a:rPr lang="ja-JP" altLang="en-US" dirty="0"/>
-              <a:t>実験</a:t>
+              <a:rPr kumimoji="1" lang="ja-JP" altLang="en-US" dirty="0" smtClean="0"/>
+              <a:t>予備実験</a:t>
             </a:r>
             <a:endParaRPr kumimoji="1" lang="ja-JP" altLang="en-US" dirty="0"/>
           </a:p>
@@ -3502,13 +4189,95 @@
           <a:p>
             <a:r>
               <a:rPr kumimoji="1" lang="ja-JP" altLang="en-US" dirty="0" smtClean="0"/>
-              <a:t>各縮小率における</a:t>
+              <a:t>アイテム数が少ない場合で，</a:t>
             </a:r>
             <a:r>
               <a:rPr kumimoji="1" lang="en-US" altLang="ja-JP" dirty="0" smtClean="0"/>
               <a:t>PF</a:t>
             </a:r>
-            <a:endParaRPr kumimoji="1" lang="ja-JP" altLang="en-US" dirty="0"/>
+            <a:r>
+              <a:rPr kumimoji="1" lang="ja-JP" altLang="en-US" dirty="0" smtClean="0"/>
+              <a:t>がどのように変化するかを調査</a:t>
+            </a:r>
+            <a:endParaRPr kumimoji="1" lang="en-US" altLang="ja-JP" dirty="0" smtClean="0"/>
+          </a:p>
+          <a:p>
+            <a:pPr algn="l"/>
+            <a:r>
+              <a:rPr lang="en-US" altLang="ja-JP" dirty="0"/>
+              <a:t/>
+            </a:r>
+            <a:br>
+              <a:rPr lang="en-US" altLang="ja-JP" dirty="0"/>
+            </a:br>
+            <a:r>
+              <a:rPr lang="en-US" altLang="ja-JP" dirty="0" smtClean="0"/>
+              <a:t/>
+            </a:r>
+            <a:br>
+              <a:rPr lang="en-US" altLang="ja-JP" dirty="0" smtClean="0"/>
+            </a:br>
+            <a:r>
+              <a:rPr lang="ja-JP" altLang="en-US" dirty="0" smtClean="0"/>
+              <a:t>目的数：</a:t>
+            </a:r>
+            <a:r>
+              <a:rPr lang="en-US" altLang="ja-JP" dirty="0" smtClean="0"/>
+              <a:t>2</a:t>
+            </a:r>
+            <a:br>
+              <a:rPr lang="en-US" altLang="ja-JP" dirty="0" smtClean="0"/>
+            </a:br>
+            <a:r>
+              <a:rPr lang="ja-JP" altLang="en-US" dirty="0" smtClean="0"/>
+              <a:t>アイテム数：</a:t>
+            </a:r>
+            <a:r>
+              <a:rPr lang="en-US" altLang="ja-JP" dirty="0" smtClean="0"/>
+              <a:t>15</a:t>
+            </a:r>
+            <a:br>
+              <a:rPr lang="en-US" altLang="ja-JP" dirty="0" smtClean="0"/>
+            </a:br>
+            <a:r>
+              <a:rPr lang="ja-JP" altLang="en-US" dirty="0" smtClean="0"/>
+              <a:t>縮小率：</a:t>
+            </a:r>
+            <a:r>
+              <a:rPr lang="en-US" altLang="ja-JP" dirty="0" smtClean="0"/>
+              <a:t>[0.6, 0.8, 1.0, 1.2, 1.4]</a:t>
+            </a:r>
+            <a:br>
+              <a:rPr lang="en-US" altLang="ja-JP" dirty="0" smtClean="0"/>
+            </a:br>
+            <a:r>
+              <a:rPr lang="en-US" altLang="ja-JP" dirty="0" smtClean="0"/>
+              <a:t/>
+            </a:r>
+            <a:br>
+              <a:rPr lang="en-US" altLang="ja-JP" dirty="0" smtClean="0"/>
+            </a:br>
+            <a:r>
+              <a:rPr lang="ja-JP" altLang="en-US" dirty="0" smtClean="0"/>
+              <a:t>修復操作は，</a:t>
+            </a:r>
+            <a:r>
+              <a:rPr lang="en-US" altLang="ja-JP" dirty="0" smtClean="0"/>
+              <a:t>Greedy</a:t>
+            </a:r>
+            <a:r>
+              <a:rPr lang="ja-JP" altLang="en-US" dirty="0" smtClean="0"/>
+              <a:t> </a:t>
+            </a:r>
+            <a:r>
+              <a:rPr lang="en-US" altLang="ja-JP" dirty="0" smtClean="0"/>
+              <a:t>Repair</a:t>
+            </a:r>
+            <a:r>
+              <a:rPr lang="ja-JP" altLang="en-US" dirty="0" smtClean="0"/>
+              <a:t>を使用</a:t>
+            </a:r>
+            <a:endParaRPr lang="en-US" altLang="ja-JP" dirty="0"/>
           </a:p>
         </p:txBody>
       </p:sp>
@@ -3531,6 +4300,156 @@
               <a:rPr kumimoji="1" lang="ja-JP" altLang="en-US" smtClean="0"/>
               <a:pPr/>
               <a:t>4</a:t>
+            </a:fld>
+            <a:endParaRPr kumimoji="1" lang="ja-JP" altLang="en-US" dirty="0"/>
+          </a:p>
+        </p:txBody>
+      </p:sp>
+      <p:sp>
+        <p:nvSpPr>
+          <p:cNvPr id="5" name="テキスト ボックス 4"/>
+          <p:cNvSpPr txBox="1"/>
+          <p:nvPr/>
+        </p:nvSpPr>
+        <p:spPr>
+          <a:xfrm>
+            <a:off x="228600" y="2771339"/>
+            <a:ext cx="1899138" cy="584775"/>
+          </a:xfrm>
+          <a:prstGeom prst="rect">
+            <a:avLst/>
+          </a:prstGeom>
+          <a:noFill/>
+          <a:ln w="38100">
+            <a:solidFill>
+              <a:schemeClr val="accent2"/>
+            </a:solidFill>
+          </a:ln>
+        </p:spPr>
+        <p:txBody>
+          <a:bodyPr wrap="square" rtlCol="0">
+            <a:spAutoFit/>
+          </a:bodyPr>
+          <a:lstStyle/>
+          <a:p>
+            <a:pPr algn="ctr"/>
+            <a:r>
+              <a:rPr kumimoji="1" lang="ja-JP" altLang="en-US" sz="3200" dirty="0" smtClean="0"/>
+              <a:t>実験設定</a:t>
+            </a:r>
+          </a:p>
+        </p:txBody>
+      </p:sp>
+    </p:spTree>
+    <p:extLst>
+      <p:ext uri="{BB962C8B-B14F-4D97-AF65-F5344CB8AC3E}">
+        <p14:creationId xmlns:p14="http://schemas.microsoft.com/office/powerpoint/2010/main" val="2911259843"/>
+      </p:ext>
+    </p:extLst>
+  </p:cSld>
+  <p:clrMapOvr>
+    <a:masterClrMapping/>
+  </p:clrMapOvr>
+  <p:timing>
+    <p:tnLst>
+      <p:par>
+        <p:cTn id="1" dur="indefinite" restart="never" nodeType="tmRoot"/>
+      </p:par>
+    </p:tnLst>
+  </p:timing>
+</p:sld>
+</file>
+
+<file path=ppt/slides/slide5.xml><?xml version="1.0" encoding="utf-8"?>
+<p:sld xmlns:a="http://schemas.openxmlformats.org/drawingml/2006/main" xmlns:r="http://schemas.openxmlformats.org/officeDocument/2006/relationships" xmlns:p="http://schemas.openxmlformats.org/presentationml/2006/main">
+  <p:cSld>
+    <p:spTree>
+      <p:nvGrpSpPr>
+        <p:cNvPr id="1" name=""/>
+        <p:cNvGrpSpPr/>
+        <p:nvPr/>
+      </p:nvGrpSpPr>
+      <p:grpSpPr>
+        <a:xfrm>
+          <a:off x="0" y="0"/>
+          <a:ext cx="0" cy="0"/>
+          <a:chOff x="0" y="0"/>
+          <a:chExt cx="0" cy="0"/>
+        </a:xfrm>
+      </p:grpSpPr>
+      <p:sp>
+        <p:nvSpPr>
+          <p:cNvPr id="2" name="タイトル 1"/>
+          <p:cNvSpPr>
+            <a:spLocks noGrp="1"/>
+          </p:cNvSpPr>
+          <p:nvPr>
+            <p:ph type="title"/>
+          </p:nvPr>
+        </p:nvSpPr>
+        <p:spPr/>
+        <p:txBody>
+          <a:bodyPr/>
+          <a:lstStyle/>
+          <a:p>
+            <a:r>
+              <a:rPr lang="ja-JP" altLang="en-US" dirty="0" smtClean="0"/>
+              <a:t>予備</a:t>
+            </a:r>
+            <a:r>
+              <a:rPr lang="ja-JP" altLang="en-US" dirty="0"/>
+              <a:t>実験</a:t>
+            </a:r>
+            <a:endParaRPr kumimoji="1" lang="ja-JP" altLang="en-US" dirty="0"/>
+          </a:p>
+        </p:txBody>
+      </p:sp>
+      <p:sp>
+        <p:nvSpPr>
+          <p:cNvPr id="3" name="コンテンツ プレースホルダー 2"/>
+          <p:cNvSpPr>
+            <a:spLocks noGrp="1"/>
+          </p:cNvSpPr>
+          <p:nvPr>
+            <p:ph idx="1"/>
+          </p:nvPr>
+        </p:nvSpPr>
+        <p:spPr/>
+        <p:txBody>
+          <a:bodyPr/>
+          <a:lstStyle/>
+          <a:p>
+            <a:r>
+              <a:rPr kumimoji="1" lang="ja-JP" altLang="en-US" dirty="0" smtClean="0"/>
+              <a:t>各縮小率における</a:t>
+            </a:r>
+            <a:r>
+              <a:rPr kumimoji="1" lang="en-US" altLang="ja-JP" dirty="0" smtClean="0"/>
+              <a:t>PF</a:t>
+            </a:r>
+            <a:endParaRPr kumimoji="1" lang="ja-JP" altLang="en-US" dirty="0"/>
+          </a:p>
+        </p:txBody>
+      </p:sp>
+      <p:sp>
+        <p:nvSpPr>
+          <p:cNvPr id="4" name="スライド番号プレースホルダー 3"/>
+          <p:cNvSpPr>
+            <a:spLocks noGrp="1"/>
+          </p:cNvSpPr>
+          <p:nvPr>
+            <p:ph type="sldNum" sz="quarter" idx="12"/>
+          </p:nvPr>
+        </p:nvSpPr>
+        <p:spPr/>
+        <p:txBody>
+          <a:bodyPr/>
+          <a:lstStyle/>
+          <a:p>
+            <a:fld id="{B5C67937-D10B-4F1B-BCB2-26B69D4AE1E2}" type="slidenum">
+              <a:rPr kumimoji="1" lang="ja-JP" altLang="en-US" smtClean="0"/>
+              <a:pPr/>
+              <a:t>5</a:t>
             </a:fld>
             <a:endParaRPr kumimoji="1" lang="ja-JP" altLang="en-US" dirty="0"/>
           </a:p>
@@ -3920,7 +4839,7 @@
 </p:sld>
 </file>
 
-<file path=ppt/slides/slide5.xml><?xml version="1.0" encoding="utf-8"?>
+<file path=ppt/slides/slide6.xml><?xml version="1.0" encoding="utf-8"?>
 <p:sld xmlns:a="http://schemas.openxmlformats.org/drawingml/2006/main" xmlns:r="http://schemas.openxmlformats.org/officeDocument/2006/relationships" xmlns:p="http://schemas.openxmlformats.org/presentationml/2006/main">
   <p:cSld>
     <p:spTree>
@@ -4005,7 +4924,7 @@
             <a:fld id="{B5C67937-D10B-4F1B-BCB2-26B69D4AE1E2}" type="slidenum">
               <a:rPr kumimoji="1" lang="ja-JP" altLang="en-US" smtClean="0"/>
               <a:pPr/>
-              <a:t>5</a:t>
+              <a:t>6</a:t>
             </a:fld>
             <a:endParaRPr kumimoji="1" lang="ja-JP" altLang="en-US" dirty="0"/>
           </a:p>
@@ -4395,7 +5314,7 @@
 </p:sld>
 </file>
 
-<file path=ppt/slides/slide6.xml><?xml version="1.0" encoding="utf-8"?>
+<file path=ppt/slides/slide7.xml><?xml version="1.0" encoding="utf-8"?>
 <p:sld xmlns:a="http://schemas.openxmlformats.org/drawingml/2006/main" xmlns:r="http://schemas.openxmlformats.org/officeDocument/2006/relationships" xmlns:p="http://schemas.openxmlformats.org/presentationml/2006/main">
   <p:cSld>
     <p:spTree>
@@ -4438,7 +5357,7 @@
             <a:fld id="{B5C67937-D10B-4F1B-BCB2-26B69D4AE1E2}" type="slidenum">
               <a:rPr kumimoji="1" lang="ja-JP" altLang="en-US" smtClean="0"/>
               <a:pPr/>
-              <a:t>6</a:t>
+              <a:t>7</a:t>
             </a:fld>
             <a:endParaRPr kumimoji="1" lang="ja-JP" altLang="en-US" dirty="0"/>
           </a:p>
